--- a/Notes and Slides/CIS399Wk1Day2-FirstApp.pptx
+++ b/Notes and Slides/CIS399Wk1Day2-FirstApp.pptx
@@ -5,7 +5,7 @@
     <p:sldMasterId id="2147483648" r:id="rId1"/>
   </p:sldMasterIdLst>
   <p:notesMasterIdLst>
-    <p:notesMasterId r:id="rId23"/>
+    <p:notesMasterId r:id="rId24"/>
   </p:notesMasterIdLst>
   <p:sldIdLst>
     <p:sldId id="256" r:id="rId2"/>
@@ -29,6 +29,7 @@
     <p:sldId id="289" r:id="rId20"/>
     <p:sldId id="290" r:id="rId21"/>
     <p:sldId id="294" r:id="rId22"/>
+    <p:sldId id="295" r:id="rId23"/>
   </p:sldIdLst>
   <p:sldSz cx="9144000" cy="6858000" type="screen4x3"/>
   <p:notesSz cx="6858000" cy="9144000"/>
@@ -228,7 +229,7 @@
           <a:p>
             <a:fld id="{1FC32AA1-1225-9048-80C3-2B6F58548154}" type="datetimeFigureOut">
               <a:rPr lang="en-US" smtClean="0"/>
-              <a:t>6/27/17</a:t>
+              <a:t>6/26/18</a:t>
             </a:fld>
             <a:endParaRPr lang="en-US"/>
           </a:p>
@@ -292,38 +293,37 @@
           <a:p>
             <a:pPr lvl="0"/>
             <a:r>
-              <a:rPr lang="en-US" smtClean="0"/>
+              <a:rPr lang="en-US"/>
               <a:t>Click to edit Master text styles</a:t>
             </a:r>
           </a:p>
           <a:p>
             <a:pPr lvl="1"/>
             <a:r>
-              <a:rPr lang="en-US" smtClean="0"/>
+              <a:rPr lang="en-US"/>
               <a:t>Second level</a:t>
             </a:r>
           </a:p>
           <a:p>
             <a:pPr lvl="2"/>
             <a:r>
-              <a:rPr lang="en-US" smtClean="0"/>
+              <a:rPr lang="en-US"/>
               <a:t>Third level</a:t>
             </a:r>
           </a:p>
           <a:p>
             <a:pPr lvl="3"/>
             <a:r>
-              <a:rPr lang="en-US" smtClean="0"/>
+              <a:rPr lang="en-US"/>
               <a:t>Fourth level</a:t>
             </a:r>
           </a:p>
           <a:p>
             <a:pPr lvl="4"/>
             <a:r>
-              <a:rPr lang="en-US" smtClean="0"/>
+              <a:rPr lang="en-US"/>
               <a:t>Fifth level</a:t>
             </a:r>
-            <a:endParaRPr lang="en-US"/>
           </a:p>
         </p:txBody>
       </p:sp>
@@ -541,11 +541,11 @@
           <a:lstStyle/>
           <a:p>
             <a:r>
-              <a:rPr lang="en-US" dirty="0" smtClean="0"/>
+              <a:rPr lang="en-US" dirty="0"/>
               <a:t>Explain</a:t>
             </a:r>
             <a:r>
-              <a:rPr lang="en-US" baseline="0" dirty="0" smtClean="0"/>
+              <a:rPr lang="en-US" baseline="0" dirty="0"/>
               <a:t> that we’re just doing an overview and that we’ll come back and look at everything in detail next week.</a:t>
             </a:r>
             <a:endParaRPr lang="en-US" dirty="0"/>
@@ -633,11 +633,11 @@
           <a:lstStyle/>
           <a:p>
             <a:r>
-              <a:rPr lang="en-US" dirty="0" smtClean="0"/>
+              <a:rPr lang="en-US" dirty="0"/>
               <a:t>In Android studio, look at the XML layout to see how</a:t>
             </a:r>
             <a:r>
-              <a:rPr lang="en-US" baseline="0" dirty="0" smtClean="0"/>
+              <a:rPr lang="en-US" baseline="0" dirty="0"/>
               <a:t> these are used.</a:t>
             </a:r>
             <a:endParaRPr lang="en-US" dirty="0"/>
@@ -671,6 +671,98 @@
     <p:extLst>
       <p:ext uri="{BB962C8B-B14F-4D97-AF65-F5344CB8AC3E}">
         <p14:creationId xmlns:p14="http://schemas.microsoft.com/office/powerpoint/2010/main" val="1307513489"/>
+      </p:ext>
+    </p:extLst>
+  </p:cSld>
+  <p:clrMapOvr>
+    <a:masterClrMapping/>
+  </p:clrMapOvr>
+</p:notes>
+</file>
+
+<file path=ppt/notesSlides/notesSlide11.xml><?xml version="1.0" encoding="utf-8"?>
+<p:notes xmlns:a="http://schemas.openxmlformats.org/drawingml/2006/main" xmlns:r="http://schemas.openxmlformats.org/officeDocument/2006/relationships" xmlns:p="http://schemas.openxmlformats.org/presentationml/2006/main">
+  <p:cSld>
+    <p:spTree>
+      <p:nvGrpSpPr>
+        <p:cNvPr id="1" name=""/>
+        <p:cNvGrpSpPr/>
+        <p:nvPr/>
+      </p:nvGrpSpPr>
+      <p:grpSpPr>
+        <a:xfrm>
+          <a:off x="0" y="0"/>
+          <a:ext cx="0" cy="0"/>
+          <a:chOff x="0" y="0"/>
+          <a:chExt cx="0" cy="0"/>
+        </a:xfrm>
+      </p:grpSpPr>
+      <p:sp>
+        <p:nvSpPr>
+          <p:cNvPr id="2" name="Slide Image Placeholder 1"/>
+          <p:cNvSpPr>
+            <a:spLocks noGrp="1" noRot="1" noChangeAspect="1"/>
+          </p:cNvSpPr>
+          <p:nvPr>
+            <p:ph type="sldImg"/>
+          </p:nvPr>
+        </p:nvSpPr>
+        <p:spPr/>
+      </p:sp>
+      <p:sp>
+        <p:nvSpPr>
+          <p:cNvPr id="3" name="Notes Placeholder 2"/>
+          <p:cNvSpPr>
+            <a:spLocks noGrp="1"/>
+          </p:cNvSpPr>
+          <p:nvPr>
+            <p:ph type="body" idx="1"/>
+          </p:nvPr>
+        </p:nvSpPr>
+        <p:spPr/>
+        <p:txBody>
+          <a:bodyPr/>
+          <a:lstStyle/>
+          <a:p>
+            <a:r>
+              <a:rPr lang="en-US" dirty="0"/>
+              <a:t>In Android studio, look at the XML layout to see how</a:t>
+            </a:r>
+            <a:r>
+              <a:rPr lang="en-US" baseline="0" dirty="0"/>
+              <a:t> these are used.</a:t>
+            </a:r>
+            <a:endParaRPr lang="en-US" dirty="0"/>
+          </a:p>
+        </p:txBody>
+      </p:sp>
+      <p:sp>
+        <p:nvSpPr>
+          <p:cNvPr id="4" name="Slide Number Placeholder 3"/>
+          <p:cNvSpPr>
+            <a:spLocks noGrp="1"/>
+          </p:cNvSpPr>
+          <p:nvPr>
+            <p:ph type="sldNum" sz="quarter" idx="10"/>
+          </p:nvPr>
+        </p:nvSpPr>
+        <p:spPr/>
+        <p:txBody>
+          <a:bodyPr/>
+          <a:lstStyle/>
+          <a:p>
+            <a:fld id="{44EB6C7D-DFD8-944D-93E3-D07F7EBDDEA8}" type="slidenum">
+              <a:rPr lang="en-US" smtClean="0"/>
+              <a:t>22</a:t>
+            </a:fld>
+            <a:endParaRPr lang="en-US"/>
+          </a:p>
+        </p:txBody>
+      </p:sp>
+    </p:spTree>
+    <p:extLst>
+      <p:ext uri="{BB962C8B-B14F-4D97-AF65-F5344CB8AC3E}">
+        <p14:creationId xmlns:p14="http://schemas.microsoft.com/office/powerpoint/2010/main" val="1311483701"/>
       </p:ext>
     </p:extLst>
   </p:cSld>
@@ -725,31 +817,31 @@
           <a:lstStyle/>
           <a:p>
             <a:r>
-              <a:rPr lang="en-US" dirty="0" smtClean="0"/>
+              <a:rPr lang="en-US" dirty="0"/>
               <a:t>Look at the rest of it in Android Studio</a:t>
             </a:r>
           </a:p>
           <a:p>
             <a:r>
-              <a:rPr lang="en-US" dirty="0" smtClean="0"/>
+              <a:rPr lang="en-US" dirty="0"/>
               <a:t>Mainly</a:t>
             </a:r>
             <a:r>
-              <a:rPr lang="en-US" baseline="0" dirty="0" smtClean="0"/>
+              <a:rPr lang="en-US" baseline="0" dirty="0"/>
               <a:t> look at the base class, the callback methods, and </a:t>
             </a:r>
             <a:r>
-              <a:rPr lang="en-US" baseline="0" dirty="0" err="1" smtClean="0"/>
+              <a:rPr lang="en-US" baseline="0" dirty="0" err="1"/>
               <a:t>SetContentView</a:t>
             </a:r>
-            <a:endParaRPr lang="en-US" baseline="0" dirty="0" smtClean="0"/>
-          </a:p>
-          <a:p>
-            <a:endParaRPr lang="en-US" baseline="0" dirty="0" smtClean="0"/>
-          </a:p>
-          <a:p>
-            <a:r>
-              <a:rPr lang="en-US" sz="1200" b="1" i="0" kern="1200" dirty="0" err="1" smtClean="0">
+            <a:endParaRPr lang="en-US" baseline="0" dirty="0"/>
+          </a:p>
+          <a:p>
+            <a:endParaRPr lang="en-US" baseline="0" dirty="0"/>
+          </a:p>
+          <a:p>
+            <a:r>
+              <a:rPr lang="en-US" sz="1200" b="1" i="0" kern="1200" dirty="0" err="1">
                 <a:solidFill>
                   <a:schemeClr val="tx1"/>
                 </a:solidFill>
@@ -761,7 +853,7 @@
               <a:t>NumberFormat</a:t>
             </a:r>
             <a:r>
-              <a:rPr lang="en-US" sz="1200" b="0" i="0" kern="1200" dirty="0" smtClean="0">
+              <a:rPr lang="en-US" sz="1200" b="0" i="0" kern="1200" dirty="0">
                 <a:solidFill>
                   <a:schemeClr val="tx1"/>
                 </a:solidFill>
@@ -773,7 +865,7 @@
               <a:t> is the abstract base </a:t>
             </a:r>
             <a:r>
-              <a:rPr lang="en-US" sz="1200" b="1" i="0" kern="1200" dirty="0" smtClean="0">
+              <a:rPr lang="en-US" sz="1200" b="1" i="0" kern="1200" dirty="0">
                 <a:solidFill>
                   <a:schemeClr val="tx1"/>
                 </a:solidFill>
@@ -785,7 +877,7 @@
               <a:t>class</a:t>
             </a:r>
             <a:r>
-              <a:rPr lang="en-US" sz="1200" b="0" i="0" kern="1200" dirty="0" smtClean="0">
+              <a:rPr lang="en-US" sz="1200" b="0" i="0" kern="1200" dirty="0">
                 <a:solidFill>
                   <a:schemeClr val="tx1"/>
                 </a:solidFill>
@@ -797,7 +889,7 @@
               <a:t> for all number formats. This </a:t>
             </a:r>
             <a:r>
-              <a:rPr lang="en-US" sz="1200" b="1" i="0" kern="1200" dirty="0" smtClean="0">
+              <a:rPr lang="en-US" sz="1200" b="1" i="0" kern="1200" dirty="0">
                 <a:solidFill>
                   <a:schemeClr val="tx1"/>
                 </a:solidFill>
@@ -809,7 +901,7 @@
               <a:t>class</a:t>
             </a:r>
             <a:r>
-              <a:rPr lang="en-US" sz="1200" b="0" i="0" kern="1200" dirty="0" smtClean="0">
+              <a:rPr lang="en-US" sz="1200" b="0" i="0" kern="1200" dirty="0">
                 <a:solidFill>
                   <a:schemeClr val="tx1"/>
                 </a:solidFill>
@@ -823,7 +915,7 @@
           </a:p>
           <a:p>
             <a:r>
-              <a:rPr lang="en-US" sz="1200" b="1" i="0" kern="1200" dirty="0" smtClean="0">
+              <a:rPr lang="en-US" sz="1200" b="1" i="0" kern="1200" dirty="0">
                 <a:solidFill>
                   <a:schemeClr val="tx1"/>
                 </a:solidFill>
@@ -835,7 +927,7 @@
               <a:t>import . . . </a:t>
             </a:r>
             <a:r>
-              <a:rPr lang="en-US" sz="1200" b="0" i="0" kern="1200" dirty="0" smtClean="0">
+              <a:rPr lang="en-US" sz="1200" b="0" i="0" kern="1200" dirty="0">
                 <a:solidFill>
                   <a:schemeClr val="tx1"/>
                 </a:solidFill>
@@ -847,7 +939,7 @@
               <a:t>is a collapsed set of import</a:t>
             </a:r>
             <a:r>
-              <a:rPr lang="en-US" sz="1200" b="0" i="0" kern="1200" baseline="0" dirty="0" smtClean="0">
+              <a:rPr lang="en-US" sz="1200" b="0" i="0" kern="1200" baseline="0" dirty="0">
                 <a:solidFill>
                   <a:schemeClr val="tx1"/>
                 </a:solidFill>
@@ -943,18 +1035,18 @@
           <a:lstStyle/>
           <a:p>
             <a:r>
-              <a:rPr lang="en-US" dirty="0" smtClean="0"/>
+              <a:rPr lang="en-US" dirty="0"/>
               <a:t>Explain</a:t>
             </a:r>
             <a:r>
-              <a:rPr lang="en-US" baseline="0" dirty="0" smtClean="0"/>
+              <a:rPr lang="en-US" baseline="0" dirty="0"/>
               <a:t> that this is the minimum required for an activity. focus on inheriting from Activity and overriding </a:t>
             </a:r>
             <a:r>
-              <a:rPr lang="en-US" baseline="0" dirty="0" err="1" smtClean="0"/>
+              <a:rPr lang="en-US" baseline="0" dirty="0" err="1"/>
               <a:t>onCreate</a:t>
             </a:r>
-            <a:endParaRPr lang="en-US" baseline="0" dirty="0" smtClean="0"/>
+            <a:endParaRPr lang="en-US" baseline="0" dirty="0"/>
           </a:p>
           <a:p>
             <a:endParaRPr lang="en-US" dirty="0"/>
@@ -1143,13 +1235,13 @@
               <a:defRPr/>
             </a:pPr>
             <a:r>
-              <a:rPr lang="en-US" sz="1200" dirty="0" smtClean="0">
+              <a:rPr lang="en-US" sz="1200" dirty="0">
                 <a:hlinkClick r:id="rId3"/>
               </a:rPr>
               <a:t>https://developer.android.com/reference/android/support/v7/app/AppCompatActivity.html</a:t>
             </a:r>
             <a:r>
-              <a:rPr lang="en-US" sz="1200" dirty="0" smtClean="0"/>
+              <a:rPr lang="en-US" sz="1200" dirty="0"/>
               <a:t> </a:t>
             </a:r>
           </a:p>
@@ -1239,83 +1331,83 @@
           <a:lstStyle/>
           <a:p>
             <a:r>
-              <a:rPr lang="en-US" dirty="0" smtClean="0"/>
+              <a:rPr lang="en-US" dirty="0"/>
               <a:t>https://</a:t>
             </a:r>
             <a:r>
-              <a:rPr lang="en-US" dirty="0" err="1" smtClean="0"/>
+              <a:rPr lang="en-US" dirty="0" err="1"/>
               <a:t>developer.android.com</a:t>
             </a:r>
             <a:r>
-              <a:rPr lang="en-US" dirty="0" smtClean="0"/>
+              <a:rPr lang="en-US" dirty="0"/>
               <a:t>/design/patterns/</a:t>
             </a:r>
             <a:r>
-              <a:rPr lang="en-US" dirty="0" err="1" smtClean="0"/>
+              <a:rPr lang="en-US" dirty="0" err="1"/>
               <a:t>actionbar.html</a:t>
             </a:r>
-            <a:endParaRPr lang="en-US" dirty="0" smtClean="0"/>
-          </a:p>
-          <a:p>
-            <a:r>
-              <a:rPr lang="en-US" dirty="0" smtClean="0"/>
+            <a:endParaRPr lang="en-US" dirty="0"/>
+          </a:p>
+          <a:p>
+            <a:r>
+              <a:rPr lang="en-US" dirty="0"/>
               <a:t>We’ll learn more about</a:t>
             </a:r>
             <a:r>
-              <a:rPr lang="en-US" baseline="0" dirty="0" smtClean="0"/>
+              <a:rPr lang="en-US" baseline="0" dirty="0"/>
               <a:t> these later. I’m just showing this so you know what the </a:t>
             </a:r>
             <a:r>
-              <a:rPr lang="en-US" dirty="0" smtClean="0"/>
+              <a:rPr lang="en-US" dirty="0"/>
               <a:t>AppCompatActivity Class is enabling in older Android</a:t>
             </a:r>
             <a:r>
-              <a:rPr lang="en-US" baseline="0" dirty="0" smtClean="0"/>
+              <a:rPr lang="en-US" baseline="0" dirty="0"/>
               <a:t> versions.</a:t>
             </a:r>
           </a:p>
           <a:p>
             <a:r>
-              <a:rPr lang="en-US" baseline="0" dirty="0" smtClean="0"/>
+              <a:rPr lang="en-US" baseline="0" dirty="0"/>
               <a:t>Note: The </a:t>
             </a:r>
             <a:r>
-              <a:rPr lang="en-US" baseline="0" dirty="0" err="1" smtClean="0"/>
+              <a:rPr lang="en-US" baseline="0" dirty="0" err="1"/>
               <a:t>ActionBar</a:t>
             </a:r>
             <a:r>
-              <a:rPr lang="en-US" baseline="0" dirty="0" smtClean="0"/>
+              <a:rPr lang="en-US" baseline="0" dirty="0"/>
               <a:t> is being replaced by the </a:t>
             </a:r>
             <a:r>
-              <a:rPr lang="en-US" baseline="0" dirty="0" err="1" smtClean="0"/>
+              <a:rPr lang="en-US" baseline="0" dirty="0" err="1"/>
               <a:t>AppBar</a:t>
             </a:r>
             <a:r>
-              <a:rPr lang="en-US" baseline="0" dirty="0" smtClean="0"/>
+              <a:rPr lang="en-US" baseline="0" dirty="0"/>
               <a:t>: https://</a:t>
             </a:r>
             <a:r>
-              <a:rPr lang="en-US" baseline="0" dirty="0" err="1" smtClean="0"/>
+              <a:rPr lang="en-US" baseline="0" dirty="0" err="1"/>
               <a:t>developer.android.com</a:t>
             </a:r>
             <a:r>
-              <a:rPr lang="en-US" baseline="0" dirty="0" smtClean="0"/>
+              <a:rPr lang="en-US" baseline="0" dirty="0"/>
               <a:t>/training/</a:t>
             </a:r>
             <a:r>
-              <a:rPr lang="en-US" baseline="0" dirty="0" err="1" smtClean="0"/>
+              <a:rPr lang="en-US" baseline="0" dirty="0" err="1"/>
               <a:t>appbar</a:t>
             </a:r>
             <a:r>
-              <a:rPr lang="en-US" baseline="0" dirty="0" smtClean="0"/>
+              <a:rPr lang="en-US" baseline="0" dirty="0"/>
               <a:t>/</a:t>
             </a:r>
             <a:r>
-              <a:rPr lang="en-US" baseline="0" dirty="0" err="1" smtClean="0"/>
+              <a:rPr lang="en-US" baseline="0" dirty="0" err="1"/>
               <a:t>index.html</a:t>
             </a:r>
-            <a:endParaRPr lang="en-US" dirty="0" smtClean="0"/>
+            <a:endParaRPr lang="en-US" dirty="0"/>
           </a:p>
         </p:txBody>
       </p:sp>
@@ -1400,18 +1492,17 @@
           <a:lstStyle/>
           <a:p>
             <a:r>
-              <a:rPr lang="en-US" dirty="0" smtClean="0"/>
+              <a:rPr lang="en-US" dirty="0"/>
               <a:t>DPI </a:t>
             </a:r>
             <a:r>
-              <a:rPr lang="mr-IN" dirty="0" smtClean="0"/>
+              <a:rPr lang="mr-IN" dirty="0"/>
               <a:t>–</a:t>
             </a:r>
             <a:r>
-              <a:rPr lang="en-US" dirty="0" smtClean="0"/>
+              <a:rPr lang="en-US" dirty="0"/>
               <a:t> Dots Per Inch</a:t>
             </a:r>
-            <a:endParaRPr lang="en-US" dirty="0"/>
           </a:p>
         </p:txBody>
       </p:sp>
@@ -1513,7 +1604,7 @@
               <a:defRPr/>
             </a:pPr>
             <a:r>
-              <a:rPr lang="en-US" sz="1200" b="1" i="0" kern="1200" dirty="0" smtClean="0">
+              <a:rPr lang="en-US" sz="1200" b="1" i="0" kern="1200" dirty="0">
                 <a:solidFill>
                   <a:schemeClr val="tx1"/>
                 </a:solidFill>
@@ -1525,7 +1616,7 @@
               <a:t>Build a Responsive UI with </a:t>
             </a:r>
             <a:r>
-              <a:rPr lang="en-US" sz="1200" b="1" i="0" kern="1200" dirty="0" err="1" smtClean="0">
+              <a:rPr lang="en-US" sz="1200" b="1" i="0" kern="1200" dirty="0" err="1">
                 <a:solidFill>
                   <a:schemeClr val="tx1"/>
                 </a:solidFill>
@@ -1536,7 +1627,7 @@
               </a:rPr>
               <a:t>ConstraintLayout</a:t>
             </a:r>
-            <a:endParaRPr lang="en-US" sz="1200" b="1" i="0" kern="1200" dirty="0" smtClean="0">
+            <a:endParaRPr lang="en-US" sz="1200" b="1" i="0" kern="1200" dirty="0">
               <a:solidFill>
                 <a:schemeClr val="tx1"/>
               </a:solidFill>
@@ -1548,22 +1639,22 @@
           </a:p>
           <a:p>
             <a:r>
-              <a:rPr lang="en-US" dirty="0" smtClean="0"/>
+              <a:rPr lang="en-US" dirty="0"/>
               <a:t>https://</a:t>
             </a:r>
             <a:r>
-              <a:rPr lang="en-US" dirty="0" err="1" smtClean="0"/>
+              <a:rPr lang="en-US" dirty="0" err="1"/>
               <a:t>developer.android.com</a:t>
             </a:r>
             <a:r>
-              <a:rPr lang="en-US" dirty="0" smtClean="0"/>
+              <a:rPr lang="en-US" dirty="0"/>
               <a:t>/training/constraint-layout/</a:t>
             </a:r>
             <a:r>
-              <a:rPr lang="en-US" dirty="0" err="1" smtClean="0"/>
+              <a:rPr lang="en-US" dirty="0" err="1"/>
               <a:t>index.html</a:t>
             </a:r>
-            <a:endParaRPr lang="en-US" dirty="0" smtClean="0"/>
+            <a:endParaRPr lang="en-US" dirty="0"/>
           </a:p>
           <a:p>
             <a:endParaRPr lang="en-US" dirty="0"/>
@@ -1651,11 +1742,11 @@
           <a:lstStyle/>
           <a:p>
             <a:r>
-              <a:rPr lang="en-US" dirty="0" smtClean="0"/>
+              <a:rPr lang="en-US" dirty="0"/>
               <a:t>In Android studio, look at the XML layout to see how</a:t>
             </a:r>
             <a:r>
-              <a:rPr lang="en-US" baseline="0" dirty="0" smtClean="0"/>
+              <a:rPr lang="en-US" baseline="0" dirty="0"/>
               <a:t> these are used.</a:t>
             </a:r>
             <a:endParaRPr lang="en-US" dirty="0"/>
@@ -1736,10 +1827,9 @@
           <a:lstStyle/>
           <a:p>
             <a:r>
-              <a:rPr lang="en-US" smtClean="0"/>
+              <a:rPr lang="en-US"/>
               <a:t>Click to edit Master title style</a:t>
             </a:r>
-            <a:endParaRPr lang="en-US"/>
           </a:p>
         </p:txBody>
       </p:sp>
@@ -1855,10 +1945,9 @@
           </a:lstStyle>
           <a:p>
             <a:r>
-              <a:rPr lang="en-US" smtClean="0"/>
+              <a:rPr lang="en-US"/>
               <a:t>Click to edit Master subtitle style</a:t>
             </a:r>
-            <a:endParaRPr lang="en-US"/>
           </a:p>
         </p:txBody>
       </p:sp>
@@ -1879,7 +1968,7 @@
           <a:p>
             <a:fld id="{12110144-19AD-4D4E-902D-E18AF93089D3}" type="datetimeFigureOut">
               <a:rPr lang="en-US" smtClean="0"/>
-              <a:t>6/27/17</a:t>
+              <a:t>6/26/18</a:t>
             </a:fld>
             <a:endParaRPr lang="en-US"/>
           </a:p>
@@ -1973,10 +2062,9 @@
           <a:lstStyle/>
           <a:p>
             <a:r>
-              <a:rPr lang="en-US" smtClean="0"/>
+              <a:rPr lang="en-US"/>
               <a:t>Click to edit Master title style</a:t>
             </a:r>
-            <a:endParaRPr lang="en-US"/>
           </a:p>
         </p:txBody>
       </p:sp>
@@ -1997,38 +2085,37 @@
           <a:p>
             <a:pPr lvl="0"/>
             <a:r>
-              <a:rPr lang="en-US" smtClean="0"/>
+              <a:rPr lang="en-US"/>
               <a:t>Click to edit Master text styles</a:t>
             </a:r>
           </a:p>
           <a:p>
             <a:pPr lvl="1"/>
             <a:r>
-              <a:rPr lang="en-US" smtClean="0"/>
+              <a:rPr lang="en-US"/>
               <a:t>Second level</a:t>
             </a:r>
           </a:p>
           <a:p>
             <a:pPr lvl="2"/>
             <a:r>
-              <a:rPr lang="en-US" smtClean="0"/>
+              <a:rPr lang="en-US"/>
               <a:t>Third level</a:t>
             </a:r>
           </a:p>
           <a:p>
             <a:pPr lvl="3"/>
             <a:r>
-              <a:rPr lang="en-US" smtClean="0"/>
+              <a:rPr lang="en-US"/>
               <a:t>Fourth level</a:t>
             </a:r>
           </a:p>
           <a:p>
             <a:pPr lvl="4"/>
             <a:r>
-              <a:rPr lang="en-US" smtClean="0"/>
+              <a:rPr lang="en-US"/>
               <a:t>Fifth level</a:t>
             </a:r>
-            <a:endParaRPr lang="en-US"/>
           </a:p>
         </p:txBody>
       </p:sp>
@@ -2049,7 +2136,7 @@
           <a:p>
             <a:fld id="{12110144-19AD-4D4E-902D-E18AF93089D3}" type="datetimeFigureOut">
               <a:rPr lang="en-US" smtClean="0"/>
-              <a:t>6/27/17</a:t>
+              <a:t>6/26/18</a:t>
             </a:fld>
             <a:endParaRPr lang="en-US"/>
           </a:p>
@@ -2148,10 +2235,9 @@
           <a:lstStyle/>
           <a:p>
             <a:r>
-              <a:rPr lang="en-US" smtClean="0"/>
+              <a:rPr lang="en-US"/>
               <a:t>Click to edit Master title style</a:t>
             </a:r>
-            <a:endParaRPr lang="en-US"/>
           </a:p>
         </p:txBody>
       </p:sp>
@@ -2177,38 +2263,37 @@
           <a:p>
             <a:pPr lvl="0"/>
             <a:r>
-              <a:rPr lang="en-US" smtClean="0"/>
+              <a:rPr lang="en-US"/>
               <a:t>Click to edit Master text styles</a:t>
             </a:r>
           </a:p>
           <a:p>
             <a:pPr lvl="1"/>
             <a:r>
-              <a:rPr lang="en-US" smtClean="0"/>
+              <a:rPr lang="en-US"/>
               <a:t>Second level</a:t>
             </a:r>
           </a:p>
           <a:p>
             <a:pPr lvl="2"/>
             <a:r>
-              <a:rPr lang="en-US" smtClean="0"/>
+              <a:rPr lang="en-US"/>
               <a:t>Third level</a:t>
             </a:r>
           </a:p>
           <a:p>
             <a:pPr lvl="3"/>
             <a:r>
-              <a:rPr lang="en-US" smtClean="0"/>
+              <a:rPr lang="en-US"/>
               <a:t>Fourth level</a:t>
             </a:r>
           </a:p>
           <a:p>
             <a:pPr lvl="4"/>
             <a:r>
-              <a:rPr lang="en-US" smtClean="0"/>
+              <a:rPr lang="en-US"/>
               <a:t>Fifth level</a:t>
             </a:r>
-            <a:endParaRPr lang="en-US"/>
           </a:p>
         </p:txBody>
       </p:sp>
@@ -2229,7 +2314,7 @@
           <a:p>
             <a:fld id="{12110144-19AD-4D4E-902D-E18AF93089D3}" type="datetimeFigureOut">
               <a:rPr lang="en-US" smtClean="0"/>
-              <a:t>6/27/17</a:t>
+              <a:t>6/26/18</a:t>
             </a:fld>
             <a:endParaRPr lang="en-US"/>
           </a:p>
@@ -2323,10 +2408,9 @@
           <a:lstStyle/>
           <a:p>
             <a:r>
-              <a:rPr lang="en-US" smtClean="0"/>
+              <a:rPr lang="en-US"/>
               <a:t>Click to edit Master title style</a:t>
             </a:r>
-            <a:endParaRPr lang="en-US"/>
           </a:p>
         </p:txBody>
       </p:sp>
@@ -2347,38 +2431,37 @@
           <a:p>
             <a:pPr lvl="0"/>
             <a:r>
-              <a:rPr lang="en-US" smtClean="0"/>
+              <a:rPr lang="en-US"/>
               <a:t>Click to edit Master text styles</a:t>
             </a:r>
           </a:p>
           <a:p>
             <a:pPr lvl="1"/>
             <a:r>
-              <a:rPr lang="en-US" smtClean="0"/>
+              <a:rPr lang="en-US"/>
               <a:t>Second level</a:t>
             </a:r>
           </a:p>
           <a:p>
             <a:pPr lvl="2"/>
             <a:r>
-              <a:rPr lang="en-US" smtClean="0"/>
+              <a:rPr lang="en-US"/>
               <a:t>Third level</a:t>
             </a:r>
           </a:p>
           <a:p>
             <a:pPr lvl="3"/>
             <a:r>
-              <a:rPr lang="en-US" smtClean="0"/>
+              <a:rPr lang="en-US"/>
               <a:t>Fourth level</a:t>
             </a:r>
           </a:p>
           <a:p>
             <a:pPr lvl="4"/>
             <a:r>
-              <a:rPr lang="en-US" smtClean="0"/>
+              <a:rPr lang="en-US"/>
               <a:t>Fifth level</a:t>
             </a:r>
-            <a:endParaRPr lang="en-US"/>
           </a:p>
         </p:txBody>
       </p:sp>
@@ -2399,7 +2482,7 @@
           <a:p>
             <a:fld id="{12110144-19AD-4D4E-902D-E18AF93089D3}" type="datetimeFigureOut">
               <a:rPr lang="en-US" smtClean="0"/>
-              <a:t>6/27/17</a:t>
+              <a:t>6/26/18</a:t>
             </a:fld>
             <a:endParaRPr lang="en-US"/>
           </a:p>
@@ -2502,10 +2585,9 @@
           </a:lstStyle>
           <a:p>
             <a:r>
-              <a:rPr lang="en-US" smtClean="0"/>
+              <a:rPr lang="en-US"/>
               <a:t>Click to edit Master title style</a:t>
             </a:r>
-            <a:endParaRPr lang="en-US"/>
           </a:p>
         </p:txBody>
       </p:sp>
@@ -2622,7 +2704,7 @@
           <a:p>
             <a:pPr lvl="0"/>
             <a:r>
-              <a:rPr lang="en-US" smtClean="0"/>
+              <a:rPr lang="en-US"/>
               <a:t>Click to edit Master text styles</a:t>
             </a:r>
           </a:p>
@@ -2645,7 +2727,7 @@
           <a:p>
             <a:fld id="{12110144-19AD-4D4E-902D-E18AF93089D3}" type="datetimeFigureOut">
               <a:rPr lang="en-US" smtClean="0"/>
-              <a:t>6/27/17</a:t>
+              <a:t>6/26/18</a:t>
             </a:fld>
             <a:endParaRPr lang="en-US"/>
           </a:p>
@@ -2739,10 +2821,9 @@
           <a:lstStyle/>
           <a:p>
             <a:r>
-              <a:rPr lang="en-US" smtClean="0"/>
+              <a:rPr lang="en-US"/>
               <a:t>Click to edit Master title style</a:t>
             </a:r>
-            <a:endParaRPr lang="en-US"/>
           </a:p>
         </p:txBody>
       </p:sp>
@@ -2796,38 +2877,37 @@
           <a:p>
             <a:pPr lvl="0"/>
             <a:r>
-              <a:rPr lang="en-US" smtClean="0"/>
+              <a:rPr lang="en-US"/>
               <a:t>Click to edit Master text styles</a:t>
             </a:r>
           </a:p>
           <a:p>
             <a:pPr lvl="1"/>
             <a:r>
-              <a:rPr lang="en-US" smtClean="0"/>
+              <a:rPr lang="en-US"/>
               <a:t>Second level</a:t>
             </a:r>
           </a:p>
           <a:p>
             <a:pPr lvl="2"/>
             <a:r>
-              <a:rPr lang="en-US" smtClean="0"/>
+              <a:rPr lang="en-US"/>
               <a:t>Third level</a:t>
             </a:r>
           </a:p>
           <a:p>
             <a:pPr lvl="3"/>
             <a:r>
-              <a:rPr lang="en-US" smtClean="0"/>
+              <a:rPr lang="en-US"/>
               <a:t>Fourth level</a:t>
             </a:r>
           </a:p>
           <a:p>
             <a:pPr lvl="4"/>
             <a:r>
-              <a:rPr lang="en-US" smtClean="0"/>
+              <a:rPr lang="en-US"/>
               <a:t>Fifth level</a:t>
             </a:r>
-            <a:endParaRPr lang="en-US"/>
           </a:p>
         </p:txBody>
       </p:sp>
@@ -2881,38 +2961,37 @@
           <a:p>
             <a:pPr lvl="0"/>
             <a:r>
-              <a:rPr lang="en-US" smtClean="0"/>
+              <a:rPr lang="en-US"/>
               <a:t>Click to edit Master text styles</a:t>
             </a:r>
           </a:p>
           <a:p>
             <a:pPr lvl="1"/>
             <a:r>
-              <a:rPr lang="en-US" smtClean="0"/>
+              <a:rPr lang="en-US"/>
               <a:t>Second level</a:t>
             </a:r>
           </a:p>
           <a:p>
             <a:pPr lvl="2"/>
             <a:r>
-              <a:rPr lang="en-US" smtClean="0"/>
+              <a:rPr lang="en-US"/>
               <a:t>Third level</a:t>
             </a:r>
           </a:p>
           <a:p>
             <a:pPr lvl="3"/>
             <a:r>
-              <a:rPr lang="en-US" smtClean="0"/>
+              <a:rPr lang="en-US"/>
               <a:t>Fourth level</a:t>
             </a:r>
           </a:p>
           <a:p>
             <a:pPr lvl="4"/>
             <a:r>
-              <a:rPr lang="en-US" smtClean="0"/>
+              <a:rPr lang="en-US"/>
               <a:t>Fifth level</a:t>
             </a:r>
-            <a:endParaRPr lang="en-US"/>
           </a:p>
         </p:txBody>
       </p:sp>
@@ -2933,7 +3012,7 @@
           <a:p>
             <a:fld id="{12110144-19AD-4D4E-902D-E18AF93089D3}" type="datetimeFigureOut">
               <a:rPr lang="en-US" smtClean="0"/>
-              <a:t>6/27/17</a:t>
+              <a:t>6/26/18</a:t>
             </a:fld>
             <a:endParaRPr lang="en-US"/>
           </a:p>
@@ -3031,10 +3110,9 @@
           </a:lstStyle>
           <a:p>
             <a:r>
-              <a:rPr lang="en-US" smtClean="0"/>
+              <a:rPr lang="en-US"/>
               <a:t>Click to edit Master title style</a:t>
             </a:r>
-            <a:endParaRPr lang="en-US"/>
           </a:p>
         </p:txBody>
       </p:sp>
@@ -3097,7 +3175,7 @@
           <a:p>
             <a:pPr lvl="0"/>
             <a:r>
-              <a:rPr lang="en-US" smtClean="0"/>
+              <a:rPr lang="en-US"/>
               <a:t>Click to edit Master text styles</a:t>
             </a:r>
           </a:p>
@@ -3153,38 +3231,37 @@
           <a:p>
             <a:pPr lvl="0"/>
             <a:r>
-              <a:rPr lang="en-US" smtClean="0"/>
+              <a:rPr lang="en-US"/>
               <a:t>Click to edit Master text styles</a:t>
             </a:r>
           </a:p>
           <a:p>
             <a:pPr lvl="1"/>
             <a:r>
-              <a:rPr lang="en-US" smtClean="0"/>
+              <a:rPr lang="en-US"/>
               <a:t>Second level</a:t>
             </a:r>
           </a:p>
           <a:p>
             <a:pPr lvl="2"/>
             <a:r>
-              <a:rPr lang="en-US" smtClean="0"/>
+              <a:rPr lang="en-US"/>
               <a:t>Third level</a:t>
             </a:r>
           </a:p>
           <a:p>
             <a:pPr lvl="3"/>
             <a:r>
-              <a:rPr lang="en-US" smtClean="0"/>
+              <a:rPr lang="en-US"/>
               <a:t>Fourth level</a:t>
             </a:r>
           </a:p>
           <a:p>
             <a:pPr lvl="4"/>
             <a:r>
-              <a:rPr lang="en-US" smtClean="0"/>
+              <a:rPr lang="en-US"/>
               <a:t>Fifth level</a:t>
             </a:r>
-            <a:endParaRPr lang="en-US"/>
           </a:p>
         </p:txBody>
       </p:sp>
@@ -3247,7 +3324,7 @@
           <a:p>
             <a:pPr lvl="0"/>
             <a:r>
-              <a:rPr lang="en-US" smtClean="0"/>
+              <a:rPr lang="en-US"/>
               <a:t>Click to edit Master text styles</a:t>
             </a:r>
           </a:p>
@@ -3303,38 +3380,37 @@
           <a:p>
             <a:pPr lvl="0"/>
             <a:r>
-              <a:rPr lang="en-US" smtClean="0"/>
+              <a:rPr lang="en-US"/>
               <a:t>Click to edit Master text styles</a:t>
             </a:r>
           </a:p>
           <a:p>
             <a:pPr lvl="1"/>
             <a:r>
-              <a:rPr lang="en-US" smtClean="0"/>
+              <a:rPr lang="en-US"/>
               <a:t>Second level</a:t>
             </a:r>
           </a:p>
           <a:p>
             <a:pPr lvl="2"/>
             <a:r>
-              <a:rPr lang="en-US" smtClean="0"/>
+              <a:rPr lang="en-US"/>
               <a:t>Third level</a:t>
             </a:r>
           </a:p>
           <a:p>
             <a:pPr lvl="3"/>
             <a:r>
-              <a:rPr lang="en-US" smtClean="0"/>
+              <a:rPr lang="en-US"/>
               <a:t>Fourth level</a:t>
             </a:r>
           </a:p>
           <a:p>
             <a:pPr lvl="4"/>
             <a:r>
-              <a:rPr lang="en-US" smtClean="0"/>
+              <a:rPr lang="en-US"/>
               <a:t>Fifth level</a:t>
             </a:r>
-            <a:endParaRPr lang="en-US"/>
           </a:p>
         </p:txBody>
       </p:sp>
@@ -3355,7 +3431,7 @@
           <a:p>
             <a:fld id="{12110144-19AD-4D4E-902D-E18AF93089D3}" type="datetimeFigureOut">
               <a:rPr lang="en-US" smtClean="0"/>
-              <a:t>6/27/17</a:t>
+              <a:t>6/26/18</a:t>
             </a:fld>
             <a:endParaRPr lang="en-US"/>
           </a:p>
@@ -3449,10 +3525,9 @@
           <a:lstStyle/>
           <a:p>
             <a:r>
-              <a:rPr lang="en-US" smtClean="0"/>
+              <a:rPr lang="en-US"/>
               <a:t>Click to edit Master title style</a:t>
             </a:r>
-            <a:endParaRPr lang="en-US"/>
           </a:p>
         </p:txBody>
       </p:sp>
@@ -3473,7 +3548,7 @@
           <a:p>
             <a:fld id="{12110144-19AD-4D4E-902D-E18AF93089D3}" type="datetimeFigureOut">
               <a:rPr lang="en-US" smtClean="0"/>
-              <a:t>6/27/17</a:t>
+              <a:t>6/26/18</a:t>
             </a:fld>
             <a:endParaRPr lang="en-US"/>
           </a:p>
@@ -3568,7 +3643,7 @@
           <a:p>
             <a:fld id="{12110144-19AD-4D4E-902D-E18AF93089D3}" type="datetimeFigureOut">
               <a:rPr lang="en-US" smtClean="0"/>
-              <a:t>6/27/17</a:t>
+              <a:t>6/26/18</a:t>
             </a:fld>
             <a:endParaRPr lang="en-US"/>
           </a:p>
@@ -3671,10 +3746,9 @@
           </a:lstStyle>
           <a:p>
             <a:r>
-              <a:rPr lang="en-US" smtClean="0"/>
+              <a:rPr lang="en-US"/>
               <a:t>Click to edit Master title style</a:t>
             </a:r>
-            <a:endParaRPr lang="en-US"/>
           </a:p>
         </p:txBody>
       </p:sp>
@@ -3728,38 +3802,37 @@
           <a:p>
             <a:pPr lvl="0"/>
             <a:r>
-              <a:rPr lang="en-US" smtClean="0"/>
+              <a:rPr lang="en-US"/>
               <a:t>Click to edit Master text styles</a:t>
             </a:r>
           </a:p>
           <a:p>
             <a:pPr lvl="1"/>
             <a:r>
-              <a:rPr lang="en-US" smtClean="0"/>
+              <a:rPr lang="en-US"/>
               <a:t>Second level</a:t>
             </a:r>
           </a:p>
           <a:p>
             <a:pPr lvl="2"/>
             <a:r>
-              <a:rPr lang="en-US" smtClean="0"/>
+              <a:rPr lang="en-US"/>
               <a:t>Third level</a:t>
             </a:r>
           </a:p>
           <a:p>
             <a:pPr lvl="3"/>
             <a:r>
-              <a:rPr lang="en-US" smtClean="0"/>
+              <a:rPr lang="en-US"/>
               <a:t>Fourth level</a:t>
             </a:r>
           </a:p>
           <a:p>
             <a:pPr lvl="4"/>
             <a:r>
-              <a:rPr lang="en-US" smtClean="0"/>
+              <a:rPr lang="en-US"/>
               <a:t>Fifth level</a:t>
             </a:r>
-            <a:endParaRPr lang="en-US"/>
           </a:p>
         </p:txBody>
       </p:sp>
@@ -3822,7 +3895,7 @@
           <a:p>
             <a:pPr lvl="0"/>
             <a:r>
-              <a:rPr lang="en-US" smtClean="0"/>
+              <a:rPr lang="en-US"/>
               <a:t>Click to edit Master text styles</a:t>
             </a:r>
           </a:p>
@@ -3845,7 +3918,7 @@
           <a:p>
             <a:fld id="{12110144-19AD-4D4E-902D-E18AF93089D3}" type="datetimeFigureOut">
               <a:rPr lang="en-US" smtClean="0"/>
-              <a:t>6/27/17</a:t>
+              <a:t>6/26/18</a:t>
             </a:fld>
             <a:endParaRPr lang="en-US"/>
           </a:p>
@@ -3948,10 +4021,9 @@
           </a:lstStyle>
           <a:p>
             <a:r>
-              <a:rPr lang="en-US" smtClean="0"/>
+              <a:rPr lang="en-US"/>
               <a:t>Click to edit Master title style</a:t>
             </a:r>
-            <a:endParaRPr lang="en-US"/>
           </a:p>
         </p:txBody>
       </p:sp>
@@ -4075,7 +4147,7 @@
           <a:p>
             <a:pPr lvl="0"/>
             <a:r>
-              <a:rPr lang="en-US" smtClean="0"/>
+              <a:rPr lang="en-US"/>
               <a:t>Click to edit Master text styles</a:t>
             </a:r>
           </a:p>
@@ -4098,7 +4170,7 @@
           <a:p>
             <a:fld id="{12110144-19AD-4D4E-902D-E18AF93089D3}" type="datetimeFigureOut">
               <a:rPr lang="en-US" smtClean="0"/>
-              <a:t>6/27/17</a:t>
+              <a:t>6/26/18</a:t>
             </a:fld>
             <a:endParaRPr lang="en-US"/>
           </a:p>
@@ -4207,10 +4279,9 @@
           <a:lstStyle/>
           <a:p>
             <a:r>
-              <a:rPr lang="en-US" smtClean="0"/>
+              <a:rPr lang="en-US"/>
               <a:t>Click to edit Master title style</a:t>
             </a:r>
-            <a:endParaRPr lang="en-US"/>
           </a:p>
         </p:txBody>
       </p:sp>
@@ -4241,38 +4312,37 @@
           <a:p>
             <a:pPr lvl="0"/>
             <a:r>
-              <a:rPr lang="en-US" smtClean="0"/>
+              <a:rPr lang="en-US"/>
               <a:t>Click to edit Master text styles</a:t>
             </a:r>
           </a:p>
           <a:p>
             <a:pPr lvl="1"/>
             <a:r>
-              <a:rPr lang="en-US" smtClean="0"/>
+              <a:rPr lang="en-US"/>
               <a:t>Second level</a:t>
             </a:r>
           </a:p>
           <a:p>
             <a:pPr lvl="2"/>
             <a:r>
-              <a:rPr lang="en-US" smtClean="0"/>
+              <a:rPr lang="en-US"/>
               <a:t>Third level</a:t>
             </a:r>
           </a:p>
           <a:p>
             <a:pPr lvl="3"/>
             <a:r>
-              <a:rPr lang="en-US" smtClean="0"/>
+              <a:rPr lang="en-US"/>
               <a:t>Fourth level</a:t>
             </a:r>
           </a:p>
           <a:p>
             <a:pPr lvl="4"/>
             <a:r>
-              <a:rPr lang="en-US" smtClean="0"/>
+              <a:rPr lang="en-US"/>
               <a:t>Fifth level</a:t>
             </a:r>
-            <a:endParaRPr lang="en-US"/>
           </a:p>
         </p:txBody>
       </p:sp>
@@ -4311,7 +4381,7 @@
           <a:p>
             <a:fld id="{12110144-19AD-4D4E-902D-E18AF93089D3}" type="datetimeFigureOut">
               <a:rPr lang="en-US" smtClean="0"/>
-              <a:t>6/27/17</a:t>
+              <a:t>6/26/18</a:t>
             </a:fld>
             <a:endParaRPr lang="en-US"/>
           </a:p>
@@ -4727,17 +4797,16 @@
               </a:spcAft>
             </a:pPr>
             <a:r>
-              <a:rPr lang="en-US" sz="9600" b="1" dirty="0" smtClean="0"/>
+              <a:rPr lang="en-US" sz="9600" b="1" dirty="0"/>
               <a:t>Your First App:</a:t>
             </a:r>
             <a:br>
-              <a:rPr lang="en-US" sz="9600" b="1" dirty="0" smtClean="0"/>
+              <a:rPr lang="en-US" sz="9600" b="1" dirty="0"/>
             </a:br>
             <a:r>
-              <a:rPr lang="en-US" sz="8000" b="1" dirty="0" smtClean="0"/>
+              <a:rPr lang="en-US" sz="8000" b="1" dirty="0"/>
               <a:t>Creating the UI</a:t>
             </a:r>
-            <a:endParaRPr lang="en-US" sz="8000" b="1" dirty="0"/>
           </a:p>
         </p:txBody>
       </p:sp>
@@ -4764,18 +4833,13 @@
           <a:lstStyle/>
           <a:p>
             <a:r>
-              <a:rPr lang="en-US" sz="4400" b="1" dirty="0" smtClean="0">
+              <a:rPr lang="en-US" sz="4400" b="1" dirty="0">
                 <a:solidFill>
                   <a:schemeClr val="tx1"/>
                 </a:solidFill>
               </a:rPr>
               <a:t>CIS 399</a:t>
             </a:r>
-            <a:endParaRPr lang="en-US" sz="4400" b="1" dirty="0">
-              <a:solidFill>
-                <a:schemeClr val="tx1"/>
-              </a:solidFill>
-            </a:endParaRPr>
           </a:p>
         </p:txBody>
       </p:sp>
@@ -4789,13 +4853,6 @@
   <p:clrMapOvr>
     <a:masterClrMapping/>
   </p:clrMapOvr>
-  <p:timing>
-    <p:tnLst>
-      <p:par>
-        <p:cTn id="1" dur="indefinite" restart="never" nodeType="tmRoot"/>
-      </p:par>
-    </p:tnLst>
-  </p:timing>
 </p:sld>
 </file>
 
@@ -4860,10 +4917,9 @@
           <a:lstStyle/>
           <a:p>
             <a:r>
-              <a:rPr lang="en-US" dirty="0" smtClean="0"/>
+              <a:rPr lang="en-US" dirty="0"/>
               <a:t>UI Layout Files</a:t>
             </a:r>
-            <a:endParaRPr lang="en-US" dirty="0"/>
           </a:p>
         </p:txBody>
       </p:sp>
@@ -4920,46 +4976,45 @@
           </a:p>
           <a:p>
             <a:r>
-              <a:rPr lang="en-US" dirty="0" smtClean="0"/>
+              <a:rPr lang="en-US" dirty="0"/>
               <a:t>Layout files contain UI definitions using AXML (Android XML)</a:t>
             </a:r>
           </a:p>
           <a:p>
             <a:r>
-              <a:rPr lang="en-US" dirty="0" smtClean="0"/>
+              <a:rPr lang="en-US" dirty="0"/>
               <a:t>Layout definitions will contain:</a:t>
             </a:r>
           </a:p>
           <a:p>
             <a:pPr lvl="1"/>
             <a:r>
-              <a:rPr lang="en-US" dirty="0" smtClean="0"/>
+              <a:rPr lang="en-US" dirty="0"/>
               <a:t>Layout containers, called </a:t>
             </a:r>
             <a:r>
-              <a:rPr lang="en-US" i="1" dirty="0" smtClean="0"/>
+              <a:rPr lang="en-US" i="1" dirty="0"/>
               <a:t>layouts</a:t>
             </a:r>
             <a:r>
-              <a:rPr lang="en-US" dirty="0" smtClean="0"/>
+              <a:rPr lang="en-US" dirty="0"/>
               <a:t> (confusing?)</a:t>
             </a:r>
           </a:p>
           <a:p>
             <a:pPr lvl="1"/>
             <a:r>
-              <a:rPr lang="en-US" dirty="0" smtClean="0"/>
+              <a:rPr lang="en-US" dirty="0"/>
               <a:t>UI controls, called </a:t>
             </a:r>
             <a:r>
-              <a:rPr lang="en-US" i="1" dirty="0" smtClean="0"/>
+              <a:rPr lang="en-US" i="1" dirty="0"/>
               <a:t>widgets</a:t>
             </a:r>
             <a:r>
-              <a:rPr lang="en-US" dirty="0" smtClean="0"/>
+              <a:rPr lang="en-US" dirty="0"/>
               <a:t>.</a:t>
             </a:r>
-            <a:endParaRPr lang="en-US" dirty="0"/>
           </a:p>
         </p:txBody>
       </p:sp>
@@ -5017,13 +5072,6 @@
   <p:clrMapOvr>
     <a:masterClrMapping/>
   </p:clrMapOvr>
-  <p:timing>
-    <p:tnLst>
-      <p:par>
-        <p:cTn id="1" dur="indefinite" restart="never" nodeType="tmRoot"/>
-      </p:par>
-    </p:tnLst>
-  </p:timing>
 </p:sld>
 </file>
 
@@ -5114,10 +5162,9 @@
           <a:lstStyle/>
           <a:p>
             <a:r>
-              <a:rPr lang="en-US" dirty="0" smtClean="0"/>
+              <a:rPr lang="en-US" dirty="0"/>
               <a:t>Layout Editor in Design Mode</a:t>
             </a:r>
-            <a:endParaRPr lang="en-US" dirty="0"/>
           </a:p>
         </p:txBody>
       </p:sp>
@@ -5369,22 +5416,21 @@
           </a:lstStyle>
           <a:p>
             <a:r>
-              <a:rPr lang="en-US" dirty="0" smtClean="0"/>
+              <a:rPr lang="en-US" dirty="0"/>
               <a:t>Select a device (screen size and density) for rendering the UI</a:t>
             </a:r>
           </a:p>
           <a:p>
             <a:r>
-              <a:rPr lang="en-US" dirty="0" smtClean="0"/>
+              <a:rPr lang="en-US" dirty="0"/>
               <a:t>Select an orientation</a:t>
             </a:r>
           </a:p>
           <a:p>
             <a:r>
-              <a:rPr lang="en-US" dirty="0" smtClean="0"/>
+              <a:rPr lang="en-US" dirty="0"/>
               <a:t>Select an API level</a:t>
             </a:r>
-            <a:endParaRPr lang="en-US" dirty="0"/>
           </a:p>
         </p:txBody>
       </p:sp>
@@ -5398,13 +5444,6 @@
   <p:clrMapOvr>
     <a:masterClrMapping/>
   </p:clrMapOvr>
-  <p:timing>
-    <p:tnLst>
-      <p:par>
-        <p:cTn id="1" dur="indefinite" restart="never" nodeType="tmRoot"/>
-      </p:par>
-    </p:tnLst>
-  </p:timing>
 </p:sld>
 </file>
 
@@ -5495,10 +5534,9 @@
           <a:lstStyle/>
           <a:p>
             <a:r>
-              <a:rPr lang="en-US" dirty="0" smtClean="0"/>
+              <a:rPr lang="en-US" dirty="0"/>
               <a:t>Layout Editor in Text Mode</a:t>
             </a:r>
-            <a:endParaRPr lang="en-US" dirty="0"/>
           </a:p>
         </p:txBody>
       </p:sp>
@@ -5556,13 +5594,6 @@
   <p:clrMapOvr>
     <a:masterClrMapping/>
   </p:clrMapOvr>
-  <p:timing>
-    <p:tnLst>
-      <p:par>
-        <p:cTn id="1" dur="indefinite" restart="never" nodeType="tmRoot"/>
-      </p:par>
-    </p:tnLst>
-  </p:timing>
 </p:sld>
 </file>
 
@@ -5627,10 +5658,9 @@
           <a:lstStyle/>
           <a:p>
             <a:r>
-              <a:rPr lang="en-US" dirty="0" smtClean="0"/>
+              <a:rPr lang="en-US" dirty="0"/>
               <a:t>An (Almost) Empty AXML Layout</a:t>
             </a:r>
-            <a:endParaRPr lang="en-US" dirty="0"/>
           </a:p>
         </p:txBody>
       </p:sp>
@@ -6908,7 +6938,7 @@
               </a:rPr>
               <a:t>&gt;</a:t>
             </a:r>
-            <a:endParaRPr lang="en-US" sz="1600" dirty="0" smtClean="0"/>
+            <a:endParaRPr lang="en-US" sz="1600" dirty="0"/>
           </a:p>
         </p:txBody>
       </p:sp>
@@ -6922,13 +6952,6 @@
   <p:clrMapOvr>
     <a:masterClrMapping/>
   </p:clrMapOvr>
-  <p:timing>
-    <p:tnLst>
-      <p:par>
-        <p:cTn id="1" dur="indefinite" restart="never" nodeType="tmRoot"/>
-      </p:par>
-    </p:tnLst>
-  </p:timing>
 </p:sld>
 </file>
 
@@ -6995,10 +7018,9 @@
           <a:lstStyle/>
           <a:p>
             <a:r>
-              <a:rPr lang="en-US" dirty="0" smtClean="0"/>
+              <a:rPr lang="en-US" dirty="0"/>
               <a:t>Types of Widgets</a:t>
             </a:r>
-            <a:endParaRPr lang="en-US" dirty="0"/>
           </a:p>
         </p:txBody>
       </p:sp>
@@ -7026,14 +7048,13 @@
               <a:defRPr/>
             </a:pPr>
             <a:r>
-              <a:rPr lang="en-US" dirty="0" err="1" smtClean="0"/>
+              <a:rPr lang="en-US" dirty="0" err="1"/>
               <a:t>Murach's</a:t>
             </a:r>
             <a:r>
-              <a:rPr lang="en-US" dirty="0" smtClean="0"/>
+              <a:rPr lang="en-US" dirty="0"/>
               <a:t> Android Programming (2nd Ed.), C2</a:t>
             </a:r>
-            <a:endParaRPr lang="en-US" dirty="0"/>
           </a:p>
         </p:txBody>
       </p:sp>
@@ -7061,10 +7082,9 @@
               <a:defRPr/>
             </a:pPr>
             <a:r>
-              <a:rPr lang="en-US" dirty="0" smtClean="0"/>
+              <a:rPr lang="en-US" dirty="0"/>
               <a:t>© 2015, Mike Murach &amp; Associates, Inc.</a:t>
             </a:r>
-            <a:endParaRPr lang="en-US" dirty="0"/>
           </a:p>
         </p:txBody>
       </p:sp>
@@ -7107,7 +7127,7 @@
           </a:effectLst>
           <a:extLst>
             <a:ext uri="{909E8E84-426E-40dd-AFC4-6F175D3DCCD1}">
-              <a14:hiddenFill xmlns="" xmlns:a14="http://schemas.microsoft.com/office/drawing/2010/main">
+              <a14:hiddenFill xmlns:a14="http://schemas.microsoft.com/office/drawing/2010/main" xmlns="">
                 <a:solidFill>
                   <a:srgbClr val="FFFFFF"/>
                 </a:solidFill>
@@ -7144,7 +7164,7 @@
           </a:ln>
           <a:extLst>
             <a:ext uri="{909E8E84-426E-40dd-AFC4-6F175D3DCCD1}">
-              <a14:hiddenFill xmlns="" xmlns:a14="http://schemas.microsoft.com/office/drawing/2010/main">
+              <a14:hiddenFill xmlns:a14="http://schemas.microsoft.com/office/drawing/2010/main" xmlns="">
                 <a:noFill/>
               </a14:hiddenFill>
             </a:ext>
@@ -7175,7 +7195,7 @@
           </a:ln>
           <a:extLst>
             <a:ext uri="{91240B29-F687-4f45-9708-019B960494DF}">
-              <a14:hiddenLine xmlns="" xmlns:a14="http://schemas.microsoft.com/office/drawing/2010/main" w="9525">
+              <a14:hiddenLine xmlns:a14="http://schemas.microsoft.com/office/drawing/2010/main" xmlns="" w="9525">
                 <a:solidFill>
                   <a:srgbClr val="000000"/>
                 </a:solidFill>
@@ -7211,7 +7231,7 @@
               <a:tabLst/>
             </a:pPr>
             <a:r>
-              <a:rPr kumimoji="0" lang="en-US" altLang="en-US" sz="1200" b="1" i="0" u="none" strike="noStrike" cap="none" normalizeH="0" baseline="0" dirty="0" smtClean="0">
+              <a:rPr kumimoji="0" lang="en-US" altLang="en-US" sz="1200" b="1" i="0" u="none" strike="noStrike" cap="none" normalizeH="0" baseline="0" dirty="0">
                 <a:ln>
                   <a:noFill/>
                 </a:ln>
@@ -7225,7 +7245,7 @@
               </a:rPr>
               <a:t>TextView widget (text view)</a:t>
             </a:r>
-            <a:endParaRPr kumimoji="0" lang="en-US" altLang="en-US" sz="1800" b="0" i="0" u="none" strike="noStrike" cap="none" normalizeH="0" baseline="0" dirty="0" smtClean="0">
+            <a:endParaRPr kumimoji="0" lang="en-US" altLang="en-US" sz="1800" b="0" i="0" u="none" strike="noStrike" cap="none" normalizeH="0" baseline="0" dirty="0">
               <a:ln>
                 <a:noFill/>
               </a:ln>
@@ -7263,7 +7283,7 @@
           </a:ln>
           <a:extLst>
             <a:ext uri="{91240B29-F687-4f45-9708-019B960494DF}">
-              <a14:hiddenLine xmlns="" xmlns:a14="http://schemas.microsoft.com/office/drawing/2010/main" w="9525">
+              <a14:hiddenLine xmlns:a14="http://schemas.microsoft.com/office/drawing/2010/main" xmlns="" w="9525">
                 <a:solidFill>
                   <a:srgbClr val="000000"/>
                 </a:solidFill>
@@ -7299,7 +7319,7 @@
               <a:tabLst/>
             </a:pPr>
             <a:r>
-              <a:rPr kumimoji="0" lang="en-US" altLang="en-US" sz="1200" b="1" i="0" u="none" strike="noStrike" cap="none" normalizeH="0" baseline="0" dirty="0" smtClean="0">
+              <a:rPr kumimoji="0" lang="en-US" altLang="en-US" sz="1200" b="1" i="0" u="none" strike="noStrike" cap="none" normalizeH="0" baseline="0" dirty="0">
                 <a:ln>
                   <a:noFill/>
                 </a:ln>
@@ -7313,7 +7333,7 @@
               </a:rPr>
               <a:t>Button widget (button)</a:t>
             </a:r>
-            <a:endParaRPr kumimoji="0" lang="en-US" altLang="en-US" sz="1800" b="0" i="0" u="none" strike="noStrike" cap="none" normalizeH="0" baseline="0" dirty="0" smtClean="0">
+            <a:endParaRPr kumimoji="0" lang="en-US" altLang="en-US" sz="1800" b="0" i="0" u="none" strike="noStrike" cap="none" normalizeH="0" baseline="0" dirty="0">
               <a:ln>
                 <a:noFill/>
               </a:ln>
@@ -7354,7 +7374,7 @@
           </a:ln>
           <a:extLst>
             <a:ext uri="{909E8E84-426E-40dd-AFC4-6F175D3DCCD1}">
-              <a14:hiddenFill xmlns="" xmlns:a14="http://schemas.microsoft.com/office/drawing/2010/main">
+              <a14:hiddenFill xmlns:a14="http://schemas.microsoft.com/office/drawing/2010/main" xmlns="">
                 <a:noFill/>
               </a14:hiddenFill>
             </a:ext>
@@ -7389,7 +7409,7 @@
           </a:ln>
           <a:extLst>
             <a:ext uri="{909E8E84-426E-40dd-AFC4-6F175D3DCCD1}">
-              <a14:hiddenFill xmlns="" xmlns:a14="http://schemas.microsoft.com/office/drawing/2010/main">
+              <a14:hiddenFill xmlns:a14="http://schemas.microsoft.com/office/drawing/2010/main" xmlns="">
                 <a:noFill/>
               </a14:hiddenFill>
             </a:ext>
@@ -7420,7 +7440,7 @@
           </a:ln>
           <a:extLst>
             <a:ext uri="{91240B29-F687-4f45-9708-019B960494DF}">
-              <a14:hiddenLine xmlns="" xmlns:a14="http://schemas.microsoft.com/office/drawing/2010/main" w="9525">
+              <a14:hiddenLine xmlns:a14="http://schemas.microsoft.com/office/drawing/2010/main" xmlns="" w="9525">
                 <a:solidFill>
                   <a:srgbClr val="000000"/>
                 </a:solidFill>
@@ -7456,7 +7476,7 @@
               <a:tabLst/>
             </a:pPr>
             <a:r>
-              <a:rPr kumimoji="0" lang="en-US" altLang="en-US" sz="1200" b="1" i="0" u="none" strike="noStrike" cap="none" normalizeH="0" baseline="0" dirty="0" err="1" smtClean="0">
+              <a:rPr kumimoji="0" lang="en-US" altLang="en-US" sz="1200" b="1" i="0" u="none" strike="noStrike" cap="none" normalizeH="0" baseline="0" dirty="0" err="1">
                 <a:ln>
                   <a:noFill/>
                 </a:ln>
@@ -7471,7 +7491,7 @@
               <a:t>EditText</a:t>
             </a:r>
             <a:r>
-              <a:rPr kumimoji="0" lang="en-US" altLang="en-US" sz="1200" b="1" i="0" u="none" strike="noStrike" cap="none" normalizeH="0" baseline="0" dirty="0" smtClean="0">
+              <a:rPr kumimoji="0" lang="en-US" altLang="en-US" sz="1200" b="1" i="0" u="none" strike="noStrike" cap="none" normalizeH="0" baseline="0" dirty="0">
                 <a:ln>
                   <a:noFill/>
                 </a:ln>
@@ -7485,7 +7505,7 @@
               </a:rPr>
               <a:t> widget (editable text view) </a:t>
             </a:r>
-            <a:endParaRPr kumimoji="0" lang="en-US" altLang="en-US" sz="1800" b="0" i="0" u="none" strike="noStrike" cap="none" normalizeH="0" baseline="0" dirty="0" smtClean="0">
+            <a:endParaRPr kumimoji="0" lang="en-US" altLang="en-US" sz="1800" b="0" i="0" u="none" strike="noStrike" cap="none" normalizeH="0" baseline="0" dirty="0">
               <a:ln>
                 <a:noFill/>
               </a:ln>
@@ -7509,13 +7529,6 @@
   <p:clrMapOvr>
     <a:masterClrMapping/>
   </p:clrMapOvr>
-  <p:timing>
-    <p:tnLst>
-      <p:par>
-        <p:cTn id="1" dur="indefinite" restart="never" nodeType="tmRoot"/>
-      </p:par>
-    </p:tnLst>
-  </p:timing>
 </p:sld>
 </file>
 
@@ -7582,10 +7595,9 @@
           <a:lstStyle/>
           <a:p>
             <a:r>
-              <a:rPr lang="en-US" dirty="0" smtClean="0"/>
+              <a:rPr lang="en-US" dirty="0"/>
               <a:t>Common Widget Properties</a:t>
             </a:r>
-            <a:endParaRPr lang="en-US" dirty="0"/>
           </a:p>
         </p:txBody>
       </p:sp>
@@ -7613,10 +7625,9 @@
               <a:defRPr/>
             </a:pPr>
             <a:r>
-              <a:rPr lang="en-US" dirty="0" smtClean="0"/>
+              <a:rPr lang="en-US" dirty="0"/>
               <a:t>Murach's Android Programming (2nd Ed.), C2</a:t>
             </a:r>
-            <a:endParaRPr lang="en-US" dirty="0"/>
           </a:p>
         </p:txBody>
       </p:sp>
@@ -7644,10 +7655,9 @@
               <a:defRPr/>
             </a:pPr>
             <a:r>
-              <a:rPr lang="en-US" dirty="0" smtClean="0"/>
+              <a:rPr lang="en-US" dirty="0"/>
               <a:t>© 2015, Mike Murach &amp; Associates, Inc.</a:t>
             </a:r>
-            <a:endParaRPr lang="en-US" dirty="0"/>
           </a:p>
         </p:txBody>
       </p:sp>
@@ -7673,7 +7683,7 @@
           <a:graphicData uri="http://schemas.openxmlformats.org/presentationml/2006/ole">
             <mc:AlternateContent xmlns:mc="http://schemas.openxmlformats.org/markup-compatibility/2006">
               <mc:Choice xmlns:v="urn:schemas-microsoft-com:vml" Requires="v">
-                <p:oleObj spid="_x0000_s1038" name="Document" r:id="rId3" imgW="7377498" imgH="5042723" progId="Word.Document.12">
+                <p:oleObj spid="_x0000_s1040" name="Document" r:id="rId3" imgW="7377498" imgH="5042723" progId="Word.Document.12">
                   <p:embed/>
                 </p:oleObj>
               </mc:Choice>
@@ -7718,13 +7728,6 @@
   <p:clrMapOvr>
     <a:masterClrMapping/>
   </p:clrMapOvr>
-  <p:timing>
-    <p:tnLst>
-      <p:par>
-        <p:cTn id="1" dur="indefinite" restart="never" nodeType="tmRoot"/>
-      </p:par>
-    </p:tnLst>
-  </p:timing>
 </p:sld>
 </file>
 
@@ -7786,10 +7789,9 @@
           <a:lstStyle/>
           <a:p>
             <a:r>
-              <a:rPr lang="en-US" dirty="0" smtClean="0"/>
+              <a:rPr lang="en-US" dirty="0"/>
               <a:t>Density Independent Pixels</a:t>
             </a:r>
-            <a:endParaRPr lang="en-US" dirty="0"/>
           </a:p>
         </p:txBody>
       </p:sp>
@@ -7811,24 +7813,19 @@
           <a:lstStyle/>
           <a:p>
             <a:r>
-              <a:rPr lang="en-US" dirty="0" smtClean="0"/>
+              <a:rPr lang="en-US" dirty="0"/>
               <a:t>Screens can have different pixel densities (DPI). If you define layout dimensions using pixels, screens with the same size, but different pixel densities, will have different sized layouts.</a:t>
             </a:r>
           </a:p>
           <a:p>
             <a:r>
-              <a:rPr lang="en-US" dirty="0" smtClean="0"/>
-              <a:t>Therefore</a:t>
-            </a:r>
-            <a:r>
               <a:rPr lang="en-US" dirty="0"/>
-              <a:t>, when specifying dimensions, always use either dp or sp units. </a:t>
-            </a:r>
-            <a:endParaRPr lang="en-US" dirty="0" smtClean="0"/>
-          </a:p>
-          <a:p>
-            <a:r>
-              <a:rPr lang="en-US" dirty="0" smtClean="0"/>
+              <a:t>Therefore, when specifying dimensions, always use either dp or sp units. </a:t>
+            </a:r>
+          </a:p>
+          <a:p>
+            <a:r>
+              <a:rPr lang="en-US" dirty="0"/>
               <a:t>A </a:t>
             </a:r>
             <a:r>
@@ -7837,25 +7834,8 @@
             </a:r>
             <a:r>
               <a:rPr lang="en-US" dirty="0"/>
-              <a:t> (</a:t>
-            </a:r>
-            <a:r>
-              <a:rPr lang="en-US" dirty="0" smtClean="0"/>
-              <a:t>density</a:t>
-            </a:r>
-            <a:r>
-              <a:rPr lang="en-US" dirty="0"/>
-              <a:t>-independent </a:t>
-            </a:r>
-            <a:r>
-              <a:rPr lang="en-US" dirty="0" smtClean="0"/>
-              <a:t>pixel) corresponds </a:t>
-            </a:r>
-            <a:r>
-              <a:rPr lang="en-US" dirty="0"/>
-              <a:t>to the physical size of a pixel at 160 dpi. </a:t>
-            </a:r>
-            <a:endParaRPr lang="en-US" dirty="0" smtClean="0"/>
+              <a:t> (density-independent pixel) corresponds to the physical size of a pixel at 160 dpi. </a:t>
+            </a:r>
           </a:p>
           <a:p>
             <a:r>
@@ -7868,21 +7848,8 @@
             </a:r>
             <a:r>
               <a:rPr lang="en-US" dirty="0"/>
-              <a:t> (scale-independent pixel</a:t>
-            </a:r>
-            <a:r>
-              <a:rPr lang="en-US" dirty="0" smtClean="0"/>
-              <a:t>) is a dp that </a:t>
-            </a:r>
-            <a:r>
-              <a:rPr lang="en-US" dirty="0"/>
-              <a:t>is scaled by the user's preferred text </a:t>
-            </a:r>
-            <a:r>
-              <a:rPr lang="en-US" dirty="0" smtClean="0"/>
-              <a:t>size.</a:t>
-            </a:r>
-            <a:endParaRPr lang="en-US" dirty="0"/>
+              <a:t> (scale-independent pixel) is a dp that is scaled by the user's preferred text size.</a:t>
+            </a:r>
           </a:p>
         </p:txBody>
       </p:sp>
@@ -7896,13 +7863,6 @@
   <p:clrMapOvr>
     <a:masterClrMapping/>
   </p:clrMapOvr>
-  <p:timing>
-    <p:tnLst>
-      <p:par>
-        <p:cTn id="1" dur="indefinite" restart="never" nodeType="tmRoot"/>
-      </p:par>
-    </p:tnLst>
-  </p:timing>
 </p:sld>
 </file>
 
@@ -7969,10 +7929,9 @@
           <a:lstStyle/>
           <a:p>
             <a:r>
-              <a:rPr lang="en-US" dirty="0" smtClean="0"/>
+              <a:rPr lang="en-US" dirty="0"/>
               <a:t>Types of Layouts (Widget Containers)</a:t>
             </a:r>
-            <a:endParaRPr lang="en-US" dirty="0"/>
           </a:p>
         </p:txBody>
       </p:sp>
@@ -8000,46 +7959,38 @@
           <a:lstStyle/>
           <a:p>
             <a:r>
-              <a:rPr lang="en-US" dirty="0" smtClean="0"/>
+              <a:rPr lang="en-US" dirty="0"/>
               <a:t>Linear Layout</a:t>
             </a:r>
             <a:br>
-              <a:rPr lang="en-US" dirty="0" smtClean="0"/>
+              <a:rPr lang="en-US" dirty="0"/>
             </a:br>
-            <a:endParaRPr lang="en-US" dirty="0" smtClean="0"/>
-          </a:p>
-          <a:p>
-            <a:endParaRPr lang="en-US" dirty="0" smtClean="0"/>
-          </a:p>
-          <a:p>
             <a:endParaRPr lang="en-US" dirty="0"/>
           </a:p>
           <a:p>
+            <a:endParaRPr lang="en-US" dirty="0"/>
+          </a:p>
+          <a:p>
+            <a:endParaRPr lang="en-US" dirty="0"/>
+          </a:p>
+          <a:p>
             <a:pPr marL="0" indent="0">
               <a:buNone/>
             </a:pPr>
             <a:r>
-              <a:rPr lang="en-US" dirty="0" smtClean="0"/>
-              <a:t> </a:t>
-            </a:r>
-            <a:r>
-              <a:rPr lang="en-US" dirty="0" smtClean="0"/>
-              <a:t>Relative and Constraint Layouts</a:t>
-            </a:r>
-            <a:r>
-              <a:rPr lang="en-US" dirty="0" smtClean="0"/>
-              <a:t/>
+              <a:rPr lang="en-US" dirty="0"/>
+              <a:t> Relative and Constraint Layouts</a:t>
             </a:r>
             <a:br>
-              <a:rPr lang="en-US" dirty="0" smtClean="0"/>
+              <a:rPr lang="en-US" dirty="0"/>
             </a:br>
-            <a:endParaRPr lang="en-US" dirty="0" smtClean="0"/>
+            <a:endParaRPr lang="en-US" dirty="0"/>
           </a:p>
           <a:p>
             <a:pPr marL="0" indent="0">
               <a:buNone/>
             </a:pPr>
-            <a:endParaRPr lang="en-US" dirty="0" smtClean="0"/>
+            <a:endParaRPr lang="en-US" dirty="0"/>
           </a:p>
         </p:txBody>
       </p:sp>
@@ -8069,15 +8020,9 @@
           <a:lstStyle/>
           <a:p>
             <a:r>
-              <a:rPr lang="en-US" dirty="0" smtClean="0"/>
+              <a:rPr lang="en-US" dirty="0"/>
               <a:t>Table</a:t>
             </a:r>
-          </a:p>
-          <a:p>
-            <a:pPr marL="0" indent="0">
-              <a:buNone/>
-            </a:pPr>
-            <a:endParaRPr lang="en-US" dirty="0" smtClean="0"/>
           </a:p>
           <a:p>
             <a:pPr marL="0" indent="0">
@@ -8086,24 +8031,29 @@
             <a:endParaRPr lang="en-US" dirty="0"/>
           </a:p>
           <a:p>
-            <a:r>
-              <a:rPr lang="en-US" dirty="0" smtClean="0"/>
+            <a:pPr marL="0" indent="0">
+              <a:buNone/>
+            </a:pPr>
+            <a:endParaRPr lang="en-US" dirty="0"/>
+          </a:p>
+          <a:p>
+            <a:r>
+              <a:rPr lang="en-US" dirty="0"/>
               <a:t>Grid</a:t>
             </a:r>
             <a:br>
-              <a:rPr lang="en-US" dirty="0" smtClean="0"/>
+              <a:rPr lang="en-US" dirty="0"/>
             </a:br>
-            <a:endParaRPr lang="en-US" dirty="0" smtClean="0"/>
-          </a:p>
-          <a:p>
-            <a:endParaRPr lang="en-US" dirty="0" smtClean="0"/>
-          </a:p>
-          <a:p>
-            <a:r>
-              <a:rPr lang="en-US" dirty="0" smtClean="0"/>
+            <a:endParaRPr lang="en-US" dirty="0"/>
+          </a:p>
+          <a:p>
+            <a:endParaRPr lang="en-US" dirty="0"/>
+          </a:p>
+          <a:p>
+            <a:r>
+              <a:rPr lang="en-US" dirty="0"/>
               <a:t>Frame</a:t>
             </a:r>
-            <a:endParaRPr lang="en-US" dirty="0"/>
           </a:p>
         </p:txBody>
       </p:sp>
@@ -8260,13 +8210,6 @@
   <p:clrMapOvr>
     <a:masterClrMapping/>
   </p:clrMapOvr>
-  <p:timing>
-    <p:tnLst>
-      <p:par>
-        <p:cTn id="1" dur="indefinite" restart="never" nodeType="tmRoot"/>
-      </p:par>
-    </p:tnLst>
-  </p:timing>
 </p:sld>
 </file>
 
@@ -8333,10 +8276,9 @@
           <a:lstStyle/>
           <a:p>
             <a:r>
-              <a:rPr lang="en-US" dirty="0" smtClean="0"/>
+              <a:rPr lang="en-US" dirty="0"/>
               <a:t>Common Layout Properties</a:t>
             </a:r>
-            <a:endParaRPr lang="en-US" dirty="0"/>
           </a:p>
         </p:txBody>
       </p:sp>
@@ -8364,10 +8306,9 @@
               <a:defRPr/>
             </a:pPr>
             <a:r>
-              <a:rPr lang="en-US" dirty="0" smtClean="0"/>
+              <a:rPr lang="en-US" dirty="0"/>
               <a:t>Murach's Android Programming (2nd Ed.), C2</a:t>
             </a:r>
-            <a:endParaRPr lang="en-US" dirty="0"/>
           </a:p>
         </p:txBody>
       </p:sp>
@@ -8492,10 +8433,9 @@
               <a:defRPr/>
             </a:pPr>
             <a:r>
-              <a:rPr lang="en-US" dirty="0" smtClean="0"/>
+              <a:rPr lang="en-US" dirty="0"/>
               <a:t>© 2015, Mike Murach &amp; Associates, Inc.</a:t>
             </a:r>
-            <a:endParaRPr lang="en-US" dirty="0"/>
           </a:p>
         </p:txBody>
       </p:sp>
@@ -8521,7 +8461,7 @@
           <a:graphicData uri="http://schemas.openxmlformats.org/presentationml/2006/ole">
             <mc:AlternateContent xmlns:mc="http://schemas.openxmlformats.org/markup-compatibility/2006">
               <mc:Choice xmlns:v="urn:schemas-microsoft-com:vml" Requires="v">
-                <p:oleObj spid="_x0000_s2061" name="Document" r:id="rId3" imgW="7377498" imgH="1980363" progId="Word.Document.12">
+                <p:oleObj spid="_x0000_s2063" name="Document" r:id="rId3" imgW="7377498" imgH="1980363" progId="Word.Document.12">
                   <p:embed/>
                 </p:oleObj>
               </mc:Choice>
@@ -8566,13 +8506,6 @@
   <p:clrMapOvr>
     <a:masterClrMapping/>
   </p:clrMapOvr>
-  <p:timing>
-    <p:tnLst>
-      <p:par>
-        <p:cTn id="1" dur="indefinite" restart="never" nodeType="tmRoot"/>
-      </p:par>
-    </p:tnLst>
-  </p:timing>
 </p:sld>
 </file>
 
@@ -8637,10 +8570,9 @@
           <a:lstStyle/>
           <a:p>
             <a:r>
-              <a:rPr lang="en-US" dirty="0" smtClean="0"/>
+              <a:rPr lang="en-US" dirty="0"/>
               <a:t>Strings Resource</a:t>
             </a:r>
-            <a:endParaRPr lang="en-US" dirty="0"/>
           </a:p>
         </p:txBody>
       </p:sp>
@@ -8691,21 +8623,19 @@
           <a:lstStyle/>
           <a:p>
             <a:r>
-              <a:rPr lang="en-US" dirty="0" smtClean="0"/>
+              <a:rPr lang="en-US" dirty="0"/>
               <a:t>Define named text strings</a:t>
             </a:r>
-            <a:endParaRPr lang="en-US" dirty="0"/>
-          </a:p>
-          <a:p>
-            <a:r>
-              <a:rPr lang="en-US" dirty="0" smtClean="0"/>
+          </a:p>
+          <a:p>
+            <a:r>
+              <a:rPr lang="en-US" dirty="0"/>
               <a:t>Useful when the same text string is used in multiple places.</a:t>
             </a:r>
-            <a:endParaRPr lang="en-US" dirty="0"/>
-          </a:p>
-          <a:p>
-            <a:r>
-              <a:rPr lang="en-US" dirty="0" smtClean="0"/>
+          </a:p>
+          <a:p>
+            <a:r>
+              <a:rPr lang="en-US" dirty="0"/>
               <a:t>Useful for localization, different files can be used for different languages</a:t>
             </a:r>
           </a:p>
@@ -8765,13 +8695,6 @@
   <p:clrMapOvr>
     <a:masterClrMapping/>
   </p:clrMapOvr>
-  <p:timing>
-    <p:tnLst>
-      <p:par>
-        <p:cTn id="1" dur="indefinite" restart="never" nodeType="tmRoot"/>
-      </p:par>
-    </p:tnLst>
-  </p:timing>
 </p:sld>
 </file>
 
@@ -8831,10 +8754,9 @@
           <a:lstStyle/>
           <a:p>
             <a:r>
-              <a:rPr lang="en-US" dirty="0" smtClean="0"/>
+              <a:rPr lang="en-US" dirty="0"/>
               <a:t>Course Overview</a:t>
             </a:r>
-            <a:endParaRPr lang="en-US" dirty="0"/>
           </a:p>
         </p:txBody>
       </p:sp>
@@ -8864,8 +8786,20 @@
                 <a:tableStyleId>{5C22544A-7EE6-4342-B048-85BDC9FD1C3A}</a:tableStyleId>
               </a:tblPr>
               <a:tblGrid>
-                <a:gridCol w="511701"/>
-                <a:gridCol w="3299499"/>
+                <a:gridCol w="511701">
+                  <a:extLst>
+                    <a:ext uri="{9D8B030D-6E8A-4147-A177-3AD203B41FA5}">
+                      <a16:colId xmlns:a16="http://schemas.microsoft.com/office/drawing/2014/main" val="20000"/>
+                    </a:ext>
+                  </a:extLst>
+                </a:gridCol>
+                <a:gridCol w="3299499">
+                  <a:extLst>
+                    <a:ext uri="{9D8B030D-6E8A-4147-A177-3AD203B41FA5}">
+                      <a16:colId xmlns:a16="http://schemas.microsoft.com/office/drawing/2014/main" val="20001"/>
+                    </a:ext>
+                  </a:extLst>
+                </a:gridCol>
               </a:tblGrid>
               <a:tr h="428284">
                 <a:tc>
@@ -8874,10 +8808,9 @@
                     <a:lstStyle/>
                     <a:p>
                       <a:r>
-                        <a:rPr lang="en-US" dirty="0" smtClean="0"/>
+                        <a:rPr lang="en-US" dirty="0"/>
                         <a:t>Wk</a:t>
                       </a:r>
-                      <a:endParaRPr lang="en-US" dirty="0"/>
                     </a:p>
                   </a:txBody>
                   <a:tcPr/>
@@ -8888,14 +8821,18 @@
                     <a:lstStyle/>
                     <a:p>
                       <a:r>
-                        <a:rPr lang="en-US" dirty="0" smtClean="0"/>
+                        <a:rPr lang="en-US" dirty="0"/>
                         <a:t>Topic</a:t>
                       </a:r>
-                      <a:endParaRPr lang="en-US" dirty="0"/>
                     </a:p>
                   </a:txBody>
                   <a:tcPr/>
                 </a:tc>
+                <a:extLst>
+                  <a:ext uri="{0D108BD9-81ED-4DB2-BD59-A6C34878D82A}">
+                    <a16:rowId xmlns:a16="http://schemas.microsoft.com/office/drawing/2014/main" val="10000"/>
+                  </a:ext>
+                </a:extLst>
               </a:tr>
               <a:tr h="428284">
                 <a:tc>
@@ -8904,10 +8841,9 @@
                     <a:lstStyle/>
                     <a:p>
                       <a:r>
-                        <a:rPr lang="en-US" sz="2800" dirty="0" smtClean="0"/>
+                        <a:rPr lang="en-US" sz="2800" dirty="0"/>
                         <a:t>1</a:t>
                       </a:r>
-                      <a:endParaRPr lang="en-US" sz="2800" dirty="0"/>
                     </a:p>
                   </a:txBody>
                   <a:tcPr>
@@ -8939,7 +8875,7 @@
                         <a:defRPr/>
                       </a:pPr>
                       <a:r>
-                        <a:rPr lang="en-US" sz="2800" dirty="0" smtClean="0"/>
+                        <a:rPr lang="en-US" sz="2800" dirty="0"/>
                         <a:t>Intro + </a:t>
                       </a:r>
                     </a:p>
@@ -8962,7 +8898,7 @@
                         <a:defRPr/>
                       </a:pPr>
                       <a:r>
-                        <a:rPr lang="en-US" sz="2800" u="sng" dirty="0" smtClean="0"/>
+                        <a:rPr lang="en-US" sz="2800" u="sng" dirty="0"/>
                         <a:t>single-screen apps</a:t>
                       </a:r>
                     </a:p>
@@ -8973,6 +8909,11 @@
                     </a:solidFill>
                   </a:tcPr>
                 </a:tc>
+                <a:extLst>
+                  <a:ext uri="{0D108BD9-81ED-4DB2-BD59-A6C34878D82A}">
+                    <a16:rowId xmlns:a16="http://schemas.microsoft.com/office/drawing/2014/main" val="10001"/>
+                  </a:ext>
+                </a:extLst>
               </a:tr>
               <a:tr h="428284">
                 <a:tc>
@@ -8981,10 +8922,9 @@
                     <a:lstStyle/>
                     <a:p>
                       <a:r>
-                        <a:rPr lang="en-US" sz="2800" dirty="0" smtClean="0"/>
+                        <a:rPr lang="en-US" sz="2800" dirty="0"/>
                         <a:t>1</a:t>
                       </a:r>
-                      <a:endParaRPr lang="en-US" sz="2800" dirty="0"/>
                     </a:p>
                   </a:txBody>
                   <a:tcPr/>
@@ -9012,18 +8952,23 @@
                         <a:defRPr/>
                       </a:pPr>
                       <a:r>
-                        <a:rPr lang="en-US" sz="2800" dirty="0" smtClean="0"/>
+                        <a:rPr lang="en-US" sz="2800" dirty="0"/>
                         <a:t>Activity Lifecycle + saving</a:t>
                       </a:r>
                       <a:r>
-                        <a:rPr lang="en-US" sz="2800" baseline="0" dirty="0" smtClean="0"/>
+                        <a:rPr lang="en-US" sz="2800" baseline="0" dirty="0"/>
                         <a:t> activity state</a:t>
                       </a:r>
-                      <a:endParaRPr lang="en-US" sz="2800" dirty="0" smtClean="0"/>
+                      <a:endParaRPr lang="en-US" sz="2800" dirty="0"/>
                     </a:p>
                   </a:txBody>
                   <a:tcPr/>
                 </a:tc>
+                <a:extLst>
+                  <a:ext uri="{0D108BD9-81ED-4DB2-BD59-A6C34878D82A}">
+                    <a16:rowId xmlns:a16="http://schemas.microsoft.com/office/drawing/2014/main" val="10002"/>
+                  </a:ext>
+                </a:extLst>
               </a:tr>
               <a:tr h="428284">
                 <a:tc>
@@ -9032,10 +8977,9 @@
                     <a:lstStyle/>
                     <a:p>
                       <a:r>
-                        <a:rPr lang="en-US" sz="2800" dirty="0" smtClean="0"/>
+                        <a:rPr lang="en-US" sz="2800" dirty="0"/>
                         <a:t>2</a:t>
                       </a:r>
-                      <a:endParaRPr lang="en-US" sz="2800" dirty="0"/>
                     </a:p>
                   </a:txBody>
                   <a:tcPr/>
@@ -9063,14 +9007,19 @@
                         <a:defRPr/>
                       </a:pPr>
                       <a:r>
-                        <a:rPr lang="en-US" sz="2800" baseline="0" dirty="0" smtClean="0"/>
+                        <a:rPr lang="en-US" sz="2800" baseline="0" dirty="0"/>
                         <a:t>Menus + Themes</a:t>
                       </a:r>
-                      <a:endParaRPr lang="en-US" sz="2800" dirty="0" smtClean="0"/>
+                      <a:endParaRPr lang="en-US" sz="2800" dirty="0"/>
                     </a:p>
                   </a:txBody>
                   <a:tcPr/>
                 </a:tc>
+                <a:extLst>
+                  <a:ext uri="{0D108BD9-81ED-4DB2-BD59-A6C34878D82A}">
+                    <a16:rowId xmlns:a16="http://schemas.microsoft.com/office/drawing/2014/main" val="10003"/>
+                  </a:ext>
+                </a:extLst>
               </a:tr>
               <a:tr h="856568">
                 <a:tc>
@@ -9079,10 +9028,9 @@
                     <a:lstStyle/>
                     <a:p>
                       <a:r>
-                        <a:rPr lang="en-US" sz="2800" dirty="0" smtClean="0"/>
+                        <a:rPr lang="en-US" sz="2800" dirty="0"/>
                         <a:t>2</a:t>
                       </a:r>
-                      <a:endParaRPr lang="en-US" sz="2800" dirty="0"/>
                     </a:p>
                   </a:txBody>
                   <a:tcPr/>
@@ -9110,14 +9058,14 @@
                         <a:defRPr/>
                       </a:pPr>
                       <a:r>
-                        <a:rPr lang="en-US" sz="2800" dirty="0" smtClean="0"/>
+                        <a:rPr lang="en-US" sz="2800" dirty="0"/>
                         <a:t>Multi-screen</a:t>
                       </a:r>
                       <a:r>
-                        <a:rPr lang="en-US" sz="2800" baseline="0" dirty="0" smtClean="0"/>
+                        <a:rPr lang="en-US" sz="2800" baseline="0" dirty="0"/>
                         <a:t> apps +</a:t>
                       </a:r>
-                      <a:endParaRPr lang="en-US" sz="2800" dirty="0" smtClean="0"/>
+                      <a:endParaRPr lang="en-US" sz="2800" dirty="0"/>
                     </a:p>
                     <a:p>
                       <a:pPr marL="0" marR="0" indent="0" algn="l" defTabSz="457200" rtl="0" eaLnBrk="1" fontAlgn="auto" latinLnBrk="0" hangingPunct="1">
@@ -9138,13 +9086,18 @@
                         <a:defRPr/>
                       </a:pPr>
                       <a:r>
-                        <a:rPr lang="en-US" sz="2800" dirty="0" smtClean="0"/>
+                        <a:rPr lang="en-US" sz="2800" dirty="0"/>
                         <a:t>Fragments</a:t>
                       </a:r>
                     </a:p>
                   </a:txBody>
                   <a:tcPr/>
                 </a:tc>
+                <a:extLst>
+                  <a:ext uri="{0D108BD9-81ED-4DB2-BD59-A6C34878D82A}">
+                    <a16:rowId xmlns:a16="http://schemas.microsoft.com/office/drawing/2014/main" val="10004"/>
+                  </a:ext>
+                </a:extLst>
               </a:tr>
             </a:tbl>
           </a:graphicData>
@@ -9176,8 +9129,20 @@
                 <a:tableStyleId>{5C22544A-7EE6-4342-B048-85BDC9FD1C3A}</a:tableStyleId>
               </a:tblPr>
               <a:tblGrid>
-                <a:gridCol w="589196"/>
-                <a:gridCol w="3685178"/>
+                <a:gridCol w="589196">
+                  <a:extLst>
+                    <a:ext uri="{9D8B030D-6E8A-4147-A177-3AD203B41FA5}">
+                      <a16:colId xmlns:a16="http://schemas.microsoft.com/office/drawing/2014/main" val="20000"/>
+                    </a:ext>
+                  </a:extLst>
+                </a:gridCol>
+                <a:gridCol w="3685178">
+                  <a:extLst>
+                    <a:ext uri="{9D8B030D-6E8A-4147-A177-3AD203B41FA5}">
+                      <a16:colId xmlns:a16="http://schemas.microsoft.com/office/drawing/2014/main" val="20001"/>
+                    </a:ext>
+                  </a:extLst>
+                </a:gridCol>
               </a:tblGrid>
               <a:tr h="375862">
                 <a:tc>
@@ -9186,10 +9151,9 @@
                     <a:lstStyle/>
                     <a:p>
                       <a:r>
-                        <a:rPr lang="en-US" dirty="0" smtClean="0"/>
+                        <a:rPr lang="en-US" dirty="0"/>
                         <a:t>Wk</a:t>
                       </a:r>
-                      <a:endParaRPr lang="en-US" dirty="0"/>
                     </a:p>
                   </a:txBody>
                   <a:tcPr/>
@@ -9200,14 +9164,18 @@
                     <a:lstStyle/>
                     <a:p>
                       <a:r>
-                        <a:rPr lang="en-US" dirty="0" smtClean="0"/>
+                        <a:rPr lang="en-US" dirty="0"/>
                         <a:t>Topic</a:t>
                       </a:r>
-                      <a:endParaRPr lang="en-US" dirty="0"/>
                     </a:p>
                   </a:txBody>
                   <a:tcPr/>
                 </a:tc>
+                <a:extLst>
+                  <a:ext uri="{0D108BD9-81ED-4DB2-BD59-A6C34878D82A}">
+                    <a16:rowId xmlns:a16="http://schemas.microsoft.com/office/drawing/2014/main" val="10000"/>
+                  </a:ext>
+                </a:extLst>
               </a:tr>
               <a:tr h="957676">
                 <a:tc>
@@ -9216,10 +9184,9 @@
                     <a:lstStyle/>
                     <a:p>
                       <a:r>
-                        <a:rPr lang="en-US" sz="2800" dirty="0" smtClean="0"/>
+                        <a:rPr lang="en-US" sz="2800" dirty="0"/>
                         <a:t>3</a:t>
                       </a:r>
-                      <a:endParaRPr lang="en-US" sz="2800" dirty="0"/>
                     </a:p>
                   </a:txBody>
                   <a:tcPr/>
@@ -9247,14 +9214,19 @@
                         <a:defRPr/>
                       </a:pPr>
                       <a:r>
-                        <a:rPr lang="en-US" sz="2800" baseline="0" dirty="0" smtClean="0"/>
+                        <a:rPr lang="en-US" sz="2800" baseline="0" dirty="0"/>
                         <a:t>Reading XML files + Asynch Tasks</a:t>
                       </a:r>
-                      <a:endParaRPr lang="en-US" sz="2800" dirty="0" smtClean="0"/>
+                      <a:endParaRPr lang="en-US" sz="2800" dirty="0"/>
                     </a:p>
                   </a:txBody>
                   <a:tcPr/>
                 </a:tc>
+                <a:extLst>
+                  <a:ext uri="{0D108BD9-81ED-4DB2-BD59-A6C34878D82A}">
+                    <a16:rowId xmlns:a16="http://schemas.microsoft.com/office/drawing/2014/main" val="10001"/>
+                  </a:ext>
+                </a:extLst>
               </a:tr>
               <a:tr h="525177">
                 <a:tc>
@@ -9263,10 +9235,9 @@
                     <a:lstStyle/>
                     <a:p>
                       <a:r>
-                        <a:rPr lang="en-US" sz="2800" dirty="0" smtClean="0"/>
+                        <a:rPr lang="en-US" sz="2800" dirty="0"/>
                         <a:t>3</a:t>
                       </a:r>
-                      <a:endParaRPr lang="en-US" sz="2800" dirty="0"/>
                     </a:p>
                   </a:txBody>
                   <a:tcPr/>
@@ -9294,13 +9265,18 @@
                         <a:defRPr/>
                       </a:pPr>
                       <a:r>
-                        <a:rPr lang="en-US" sz="2800" dirty="0" smtClean="0"/>
+                        <a:rPr lang="en-US" sz="2800" dirty="0"/>
                         <a:t>List Views</a:t>
                       </a:r>
                     </a:p>
                   </a:txBody>
                   <a:tcPr/>
                 </a:tc>
+                <a:extLst>
+                  <a:ext uri="{0D108BD9-81ED-4DB2-BD59-A6C34878D82A}">
+                    <a16:rowId xmlns:a16="http://schemas.microsoft.com/office/drawing/2014/main" val="10002"/>
+                  </a:ext>
+                </a:extLst>
               </a:tr>
               <a:tr h="525177">
                 <a:tc>
@@ -9309,10 +9285,9 @@
                     <a:lstStyle/>
                     <a:p>
                       <a:r>
-                        <a:rPr lang="en-US" sz="2800" dirty="0" smtClean="0"/>
+                        <a:rPr lang="en-US" sz="2800" dirty="0"/>
                         <a:t>3</a:t>
                       </a:r>
-                      <a:endParaRPr lang="en-US" sz="2800" dirty="0"/>
                     </a:p>
                   </a:txBody>
                   <a:tcPr/>
@@ -9340,18 +9315,23 @@
                         <a:defRPr/>
                       </a:pPr>
                       <a:r>
-                        <a:rPr lang="en-US" sz="2800" dirty="0" smtClean="0"/>
+                        <a:rPr lang="en-US" sz="2800" dirty="0"/>
                         <a:t>SQLite</a:t>
                       </a:r>
                       <a:r>
-                        <a:rPr lang="en-US" sz="2800" baseline="0" dirty="0" smtClean="0"/>
+                        <a:rPr lang="en-US" sz="2800" baseline="0" dirty="0"/>
                         <a:t> Database</a:t>
                       </a:r>
-                      <a:endParaRPr lang="en-US" sz="2800" dirty="0" smtClean="0"/>
+                      <a:endParaRPr lang="en-US" sz="2800" dirty="0"/>
                     </a:p>
                   </a:txBody>
                   <a:tcPr/>
                 </a:tc>
+                <a:extLst>
+                  <a:ext uri="{0D108BD9-81ED-4DB2-BD59-A6C34878D82A}">
+                    <a16:rowId xmlns:a16="http://schemas.microsoft.com/office/drawing/2014/main" val="10003"/>
+                  </a:ext>
+                </a:extLst>
               </a:tr>
               <a:tr h="957676">
                 <a:tc>
@@ -9360,10 +9340,9 @@
                     <a:lstStyle/>
                     <a:p>
                       <a:r>
-                        <a:rPr lang="en-US" sz="2800" dirty="0" smtClean="0"/>
+                        <a:rPr lang="en-US" sz="2800" dirty="0"/>
                         <a:t>4</a:t>
                       </a:r>
-                      <a:endParaRPr lang="en-US" sz="2800" dirty="0"/>
                     </a:p>
                   </a:txBody>
                   <a:tcPr/>
@@ -9391,13 +9370,18 @@
                         <a:defRPr/>
                       </a:pPr>
                       <a:r>
-                        <a:rPr lang="en-US" sz="2800" dirty="0" smtClean="0"/>
+                        <a:rPr lang="en-US" sz="2800" dirty="0"/>
                         <a:t>Consuming a web service</a:t>
                       </a:r>
                     </a:p>
                   </a:txBody>
                   <a:tcPr/>
                 </a:tc>
+                <a:extLst>
+                  <a:ext uri="{0D108BD9-81ED-4DB2-BD59-A6C34878D82A}">
+                    <a16:rowId xmlns:a16="http://schemas.microsoft.com/office/drawing/2014/main" val="10004"/>
+                  </a:ext>
+                </a:extLst>
               </a:tr>
               <a:tr h="525177">
                 <a:tc>
@@ -9406,10 +9390,9 @@
                     <a:lstStyle/>
                     <a:p>
                       <a:r>
-                        <a:rPr lang="en-US" sz="2800" dirty="0" smtClean="0"/>
+                        <a:rPr lang="en-US" sz="2800" dirty="0"/>
                         <a:t>4</a:t>
                       </a:r>
-                      <a:endParaRPr lang="en-US" sz="2800" dirty="0"/>
                     </a:p>
                   </a:txBody>
                   <a:tcPr/>
@@ -9437,13 +9420,18 @@
                         <a:defRPr/>
                       </a:pPr>
                       <a:r>
-                        <a:rPr lang="en-US" sz="2800" dirty="0" smtClean="0"/>
+                        <a:rPr lang="en-US" sz="2800" dirty="0"/>
                         <a:t>Geolocation</a:t>
                       </a:r>
                     </a:p>
                   </a:txBody>
                   <a:tcPr/>
                 </a:tc>
+                <a:extLst>
+                  <a:ext uri="{0D108BD9-81ED-4DB2-BD59-A6C34878D82A}">
+                    <a16:rowId xmlns:a16="http://schemas.microsoft.com/office/drawing/2014/main" val="10005"/>
+                  </a:ext>
+                </a:extLst>
               </a:tr>
             </a:tbl>
           </a:graphicData>
@@ -9459,13 +9447,6 @@
   <p:clrMapOvr>
     <a:masterClrMapping/>
   </p:clrMapOvr>
-  <p:timing>
-    <p:tnLst>
-      <p:par>
-        <p:cTn id="1" dur="indefinite" restart="never" nodeType="tmRoot"/>
-      </p:par>
-    </p:tnLst>
-  </p:timing>
 </p:sld>
 </file>
 
@@ -9530,10 +9511,9 @@
           <a:lstStyle/>
           <a:p>
             <a:r>
-              <a:rPr lang="en-US" dirty="0" smtClean="0"/>
+              <a:rPr lang="en-US" dirty="0"/>
               <a:t>Strings File for the Tip Calculator</a:t>
             </a:r>
-            <a:endParaRPr lang="en-US" dirty="0"/>
           </a:p>
         </p:txBody>
       </p:sp>
@@ -10889,7 +10869,7 @@
               </a:rPr>
               <a:t>&gt;</a:t>
             </a:r>
-            <a:endParaRPr lang="en-US" sz="1600" dirty="0" smtClean="0"/>
+            <a:endParaRPr lang="en-US" sz="1600" dirty="0"/>
           </a:p>
         </p:txBody>
       </p:sp>
@@ -10903,13 +10883,6 @@
   <p:clrMapOvr>
     <a:masterClrMapping/>
   </p:clrMapOvr>
-  <p:timing>
-    <p:tnLst>
-      <p:par>
-        <p:cTn id="1" dur="indefinite" restart="never" nodeType="tmRoot"/>
-      </p:par>
-    </p:tnLst>
-  </p:timing>
 </p:sld>
 </file>
 
@@ -10969,10 +10942,9 @@
           <a:lstStyle/>
           <a:p>
             <a:r>
-              <a:rPr lang="en-US" dirty="0" smtClean="0"/>
+              <a:rPr lang="en-US" dirty="0"/>
               <a:t>Exercises</a:t>
             </a:r>
-            <a:endParaRPr lang="en-US" dirty="0"/>
           </a:p>
         </p:txBody>
       </p:sp>
@@ -10992,35 +10964,35 @@
           <a:lstStyle/>
           <a:p>
             <a:r>
-              <a:rPr lang="en-US" dirty="0" smtClean="0"/>
+              <a:rPr lang="en-US" dirty="0"/>
               <a:t>Do Exercise 2 - 1 in the textbook</a:t>
             </a:r>
           </a:p>
           <a:p>
             <a:pPr lvl="1"/>
             <a:r>
-              <a:rPr lang="en-US" dirty="0" smtClean="0"/>
+              <a:rPr lang="en-US" dirty="0"/>
               <a:t>In this exercise you will modify an app based on the Blank Activity template.</a:t>
             </a:r>
           </a:p>
           <a:p>
             <a:r>
-              <a:rPr lang="en-US" dirty="0" smtClean="0"/>
+              <a:rPr lang="en-US" dirty="0"/>
               <a:t>Do Exercise 2 </a:t>
             </a:r>
             <a:r>
-              <a:rPr lang="en-US" smtClean="0"/>
+              <a:rPr lang="en-US"/>
               <a:t>- 2 </a:t>
             </a:r>
             <a:r>
-              <a:rPr lang="en-US" dirty="0" smtClean="0"/>
+              <a:rPr lang="en-US" dirty="0"/>
               <a:t>in the textbook.</a:t>
             </a:r>
           </a:p>
           <a:p>
             <a:pPr lvl="1"/>
             <a:r>
-              <a:rPr lang="en-US" dirty="0" smtClean="0"/>
+              <a:rPr lang="en-US" dirty="0"/>
               <a:t>Make the UI for an Invoice app that is very similar to the Tip Calculator app.</a:t>
             </a:r>
           </a:p>
@@ -11036,13 +11008,114 @@
   <p:clrMapOvr>
     <a:masterClrMapping/>
   </p:clrMapOvr>
-  <p:timing>
-    <p:tnLst>
-      <p:par>
-        <p:cTn id="1" dur="indefinite" restart="never" nodeType="tmRoot"/>
-      </p:par>
-    </p:tnLst>
-  </p:timing>
+</p:sld>
+</file>
+
+<file path=ppt/slides/slide22.xml><?xml version="1.0" encoding="utf-8"?>
+<p:sld xmlns:a="http://schemas.openxmlformats.org/drawingml/2006/main" xmlns:r="http://schemas.openxmlformats.org/officeDocument/2006/relationships" xmlns:p="http://schemas.openxmlformats.org/presentationml/2006/main">
+  <p:cSld>
+    <p:bg>
+      <p:bgPr>
+        <a:gradFill flip="none" rotWithShape="1">
+          <a:gsLst>
+            <a:gs pos="100000">
+              <a:schemeClr val="tx2">
+                <a:lumMod val="60000"/>
+                <a:lumOff val="40000"/>
+              </a:schemeClr>
+            </a:gs>
+            <a:gs pos="55000">
+              <a:schemeClr val="tx2">
+                <a:lumMod val="20000"/>
+                <a:lumOff val="80000"/>
+              </a:schemeClr>
+            </a:gs>
+          </a:gsLst>
+          <a:lin ang="5400000" scaled="0"/>
+          <a:tileRect/>
+        </a:gradFill>
+        <a:effectLst/>
+      </p:bgPr>
+    </p:bg>
+    <p:spTree>
+      <p:nvGrpSpPr>
+        <p:cNvPr id="1" name=""/>
+        <p:cNvGrpSpPr/>
+        <p:nvPr/>
+      </p:nvGrpSpPr>
+      <p:grpSpPr>
+        <a:xfrm>
+          <a:off x="0" y="0"/>
+          <a:ext cx="0" cy="0"/>
+          <a:chOff x="0" y="0"/>
+          <a:chExt cx="0" cy="0"/>
+        </a:xfrm>
+      </p:grpSpPr>
+      <p:sp>
+        <p:nvSpPr>
+          <p:cNvPr id="2" name="Title 1"/>
+          <p:cNvSpPr>
+            <a:spLocks noGrp="1"/>
+          </p:cNvSpPr>
+          <p:nvPr>
+            <p:ph type="title"/>
+          </p:nvPr>
+        </p:nvSpPr>
+        <p:spPr/>
+        <p:txBody>
+          <a:bodyPr/>
+          <a:lstStyle/>
+          <a:p>
+            <a:r>
+              <a:rPr lang="en-US" dirty="0"/>
+              <a:t>Lab 1</a:t>
+            </a:r>
+          </a:p>
+        </p:txBody>
+      </p:sp>
+      <p:sp>
+        <p:nvSpPr>
+          <p:cNvPr id="3" name="Content Placeholder 2"/>
+          <p:cNvSpPr>
+            <a:spLocks noGrp="1"/>
+          </p:cNvSpPr>
+          <p:nvPr>
+            <p:ph idx="1"/>
+          </p:nvPr>
+        </p:nvSpPr>
+        <p:spPr/>
+        <p:txBody>
+          <a:bodyPr/>
+          <a:lstStyle/>
+          <a:p>
+            <a:pPr marL="0" indent="0">
+              <a:buNone/>
+            </a:pPr>
+            <a:r>
+              <a:rPr lang="en-US" dirty="0"/>
+              <a:t>Review the instructions for the first lab assignment. </a:t>
+            </a:r>
+            <a:r>
+              <a:rPr lang="en-US"/>
+              <a:t>Start making </a:t>
+            </a:r>
+            <a:r>
+              <a:rPr lang="en-US" dirty="0"/>
+              <a:t>the lab 1 app today.</a:t>
+            </a:r>
+          </a:p>
+        </p:txBody>
+      </p:sp>
+    </p:spTree>
+    <p:extLst>
+      <p:ext uri="{BB962C8B-B14F-4D97-AF65-F5344CB8AC3E}">
+        <p14:creationId xmlns:p14="http://schemas.microsoft.com/office/powerpoint/2010/main" val="126261096"/>
+      </p:ext>
+    </p:extLst>
+  </p:cSld>
+  <p:clrMapOvr>
+    <a:masterClrMapping/>
+  </p:clrMapOvr>
 </p:sld>
 </file>
 
@@ -11107,10 +11180,9 @@
           <a:lstStyle/>
           <a:p>
             <a:r>
-              <a:rPr lang="en-US" dirty="0" smtClean="0"/>
+              <a:rPr lang="en-US" dirty="0"/>
               <a:t>Parts of an App Project</a:t>
             </a:r>
-            <a:endParaRPr lang="en-US" dirty="0"/>
           </a:p>
         </p:txBody>
       </p:sp>
@@ -11161,68 +11233,68 @@
           <a:lstStyle/>
           <a:p>
             <a:r>
-              <a:rPr lang="en-US" sz="2400" dirty="0" smtClean="0"/>
+              <a:rPr lang="en-US" sz="2400" dirty="0"/>
               <a:t>Manifest – Info about the app</a:t>
             </a:r>
           </a:p>
           <a:p>
             <a:r>
-              <a:rPr lang="en-US" sz="2400" dirty="0" smtClean="0"/>
+              <a:rPr lang="en-US" sz="2400" dirty="0"/>
               <a:t>Java –Java source code for Activities and other classes</a:t>
             </a:r>
           </a:p>
           <a:p>
             <a:r>
-              <a:rPr lang="en-US" sz="2400" dirty="0" smtClean="0"/>
+              <a:rPr lang="en-US" sz="2400" dirty="0"/>
               <a:t>res – Resources</a:t>
             </a:r>
           </a:p>
           <a:p>
             <a:pPr lvl="1"/>
             <a:r>
-              <a:rPr lang="en-US" dirty="0" smtClean="0"/>
+              <a:rPr lang="en-US" dirty="0"/>
               <a:t>Drawable: Images</a:t>
             </a:r>
           </a:p>
           <a:p>
             <a:pPr lvl="1"/>
             <a:r>
-              <a:rPr lang="en-US" dirty="0" smtClean="0"/>
+              <a:rPr lang="en-US" dirty="0"/>
               <a:t>Layout: UI layouts in XML</a:t>
             </a:r>
           </a:p>
           <a:p>
             <a:pPr lvl="1"/>
             <a:r>
-              <a:rPr lang="en-US" dirty="0" smtClean="0"/>
+              <a:rPr lang="en-US" dirty="0"/>
               <a:t>Mipmap: Multi-resolution icon images</a:t>
             </a:r>
           </a:p>
           <a:p>
             <a:pPr lvl="1"/>
             <a:r>
-              <a:rPr lang="en-US" dirty="0" smtClean="0"/>
+              <a:rPr lang="en-US" dirty="0"/>
               <a:t>Values: named constants</a:t>
             </a:r>
           </a:p>
           <a:p>
             <a:pPr lvl="2"/>
             <a:r>
-              <a:rPr lang="en-US" sz="2400" dirty="0" smtClean="0"/>
+              <a:rPr lang="en-US" sz="2400" dirty="0"/>
               <a:t>Dimens: dimensions (sizes)</a:t>
             </a:r>
           </a:p>
           <a:p>
             <a:pPr lvl="2"/>
             <a:r>
-              <a:rPr lang="en-US" sz="2400" dirty="0" smtClean="0"/>
+              <a:rPr lang="en-US" sz="2400" dirty="0"/>
               <a:t>Strings: text strings</a:t>
             </a:r>
           </a:p>
           <a:p>
             <a:pPr lvl="2"/>
             <a:r>
-              <a:rPr lang="en-US" sz="2400" dirty="0" smtClean="0"/>
+              <a:rPr lang="en-US" sz="2400" dirty="0"/>
               <a:t>Styles: Theme selection</a:t>
             </a:r>
           </a:p>
@@ -11241,13 +11313,6 @@
   <p:clrMapOvr>
     <a:masterClrMapping/>
   </p:clrMapOvr>
-  <p:timing>
-    <p:tnLst>
-      <p:par>
-        <p:cTn id="1" dur="indefinite" restart="never" nodeType="tmRoot"/>
-      </p:par>
-    </p:tnLst>
-  </p:timing>
 </p:sld>
 </file>
 
@@ -11312,10 +11377,9 @@
           <a:lstStyle/>
           <a:p>
             <a:r>
-              <a:rPr lang="en-US" dirty="0" smtClean="0"/>
+              <a:rPr lang="en-US" dirty="0"/>
               <a:t>Activities</a:t>
             </a:r>
-            <a:endParaRPr lang="en-US" dirty="0"/>
           </a:p>
         </p:txBody>
       </p:sp>
@@ -11367,28 +11431,20 @@
           <a:p>
             <a:r>
               <a:rPr lang="en-US" dirty="0"/>
-              <a:t>Each </a:t>
-            </a:r>
-            <a:r>
-              <a:rPr lang="en-US" dirty="0" smtClean="0"/>
-              <a:t>App will contain at least one </a:t>
+              <a:t>Each App will contain at least one </a:t>
             </a:r>
             <a:r>
               <a:rPr lang="en-US" i="1" dirty="0"/>
-              <a:t>a</a:t>
-            </a:r>
-            <a:r>
-              <a:rPr lang="en-US" i="1" dirty="0" smtClean="0"/>
-              <a:t>ctivity. </a:t>
-            </a:r>
-            <a:r>
-              <a:rPr lang="en-US" dirty="0" smtClean="0"/>
+              <a:t>activity. </a:t>
+            </a:r>
+            <a:r>
+              <a:rPr lang="en-US" dirty="0"/>
               <a:t>Every activity derives from the Android Activity class</a:t>
             </a:r>
           </a:p>
           <a:p>
             <a:r>
-              <a:rPr lang="en-US" dirty="0" smtClean="0"/>
+              <a:rPr lang="en-US" dirty="0"/>
               <a:t>Each activity will load a UI layout and display one screen in an app</a:t>
             </a:r>
           </a:p>
@@ -11448,13 +11504,6 @@
   <p:clrMapOvr>
     <a:masterClrMapping/>
   </p:clrMapOvr>
-  <p:timing>
-    <p:tnLst>
-      <p:par>
-        <p:cTn id="1" dur="indefinite" restart="never" nodeType="tmRoot"/>
-      </p:par>
-    </p:tnLst>
-  </p:timing>
 </p:sld>
 </file>
 
@@ -11514,10 +11563,9 @@
           <a:lstStyle/>
           <a:p>
             <a:r>
-              <a:rPr lang="en-US" dirty="0" smtClean="0"/>
+              <a:rPr lang="en-US" dirty="0"/>
               <a:t>Tip Calculator Activity</a:t>
             </a:r>
-            <a:endParaRPr lang="en-US" dirty="0"/>
           </a:p>
         </p:txBody>
       </p:sp>
@@ -11655,7 +11703,7 @@
               <a:t>import </a:t>
             </a:r>
             <a:r>
-              <a:rPr lang="en-US" dirty="0" smtClean="0">
+              <a:rPr lang="en-US" dirty="0">
                 <a:solidFill>
                   <a:srgbClr val="000000"/>
                 </a:solidFill>
@@ -11665,14 +11713,6 @@
               </a:rPr>
               <a:t>. . .</a:t>
             </a:r>
-            <a:endParaRPr lang="en-US" dirty="0">
-              <a:solidFill>
-                <a:srgbClr val="000000"/>
-              </a:solidFill>
-              <a:latin typeface="Menlo"/>
-              <a:ea typeface="Menlo"/>
-              <a:cs typeface="Menlo"/>
-            </a:endParaRPr>
           </a:p>
           <a:p>
             <a:pPr marL="0" indent="0">
@@ -11703,7 +11743,7 @@
               <a:t>public class </a:t>
             </a:r>
             <a:r>
-              <a:rPr lang="en-US" dirty="0" err="1" smtClean="0">
+              <a:rPr lang="en-US" dirty="0" err="1">
                 <a:solidFill>
                   <a:srgbClr val="000000"/>
                 </a:solidFill>
@@ -11735,10 +11775,21 @@
                 <a:ea typeface="Menlo"/>
                 <a:cs typeface="Menlo"/>
               </a:rPr>
-              <a:t> </a:t>
-            </a:r>
-            <a:r>
-              <a:rPr lang="en-US" b="1" dirty="0" smtClean="0">
+              <a:t>   </a:t>
+            </a:r>
+            <a:r>
+              <a:rPr lang="en-US" b="1" dirty="0">
+                <a:solidFill>
+                  <a:srgbClr val="011893"/>
+                </a:solidFill>
+                <a:latin typeface="Menlo"/>
+                <a:ea typeface="Menlo"/>
+                <a:cs typeface="Menlo"/>
+              </a:rPr>
+              <a:t>extends </a:t>
+            </a:r>
+            <a:r>
+              <a:rPr lang="en-US" dirty="0">
                 <a:solidFill>
                   <a:srgbClr val="000000"/>
                 </a:solidFill>
@@ -11746,10 +11797,26 @@
                 <a:ea typeface="Menlo"/>
                 <a:cs typeface="Menlo"/>
               </a:rPr>
-              <a:t>  </a:t>
-            </a:r>
-            <a:r>
-              <a:rPr lang="en-US" b="1" dirty="0" smtClean="0">
+              <a:t>Activity</a:t>
+            </a:r>
+          </a:p>
+          <a:p>
+            <a:pPr marL="0" indent="0">
+              <a:buNone/>
+            </a:pPr>
+            <a:r>
+              <a:rPr lang="en-US" b="1" dirty="0">
+                <a:solidFill>
+                  <a:srgbClr val="000000"/>
+                </a:solidFill>
+                <a:latin typeface="Menlo"/>
+                <a:ea typeface="Menlo"/>
+                <a:cs typeface="Menlo"/>
+              </a:rPr>
+              <a:t>   </a:t>
+            </a:r>
+            <a:r>
+              <a:rPr lang="en-US" b="1" dirty="0">
                 <a:solidFill>
                   <a:srgbClr val="011893"/>
                 </a:solidFill>
@@ -11757,10 +11824,10 @@
                 <a:ea typeface="Menlo"/>
                 <a:cs typeface="Menlo"/>
               </a:rPr>
-              <a:t>extends </a:t>
-            </a:r>
-            <a:r>
-              <a:rPr lang="en-US" dirty="0" smtClean="0">
+              <a:t>implements </a:t>
+            </a:r>
+            <a:r>
+              <a:rPr lang="en-US" dirty="0" err="1">
                 <a:solidFill>
                   <a:srgbClr val="000000"/>
                 </a:solidFill>
@@ -11768,7 +11835,18 @@
                 <a:ea typeface="Menlo"/>
                 <a:cs typeface="Menlo"/>
               </a:rPr>
-              <a:t>Activity</a:t>
+              <a:t>OnEditorActionListener</a:t>
+            </a:r>
+            <a:r>
+              <a:rPr lang="en-US" dirty="0">
+                <a:solidFill>
+                  <a:srgbClr val="000000"/>
+                </a:solidFill>
+                <a:latin typeface="Menlo"/>
+                <a:ea typeface="Menlo"/>
+                <a:cs typeface="Menlo"/>
+              </a:rPr>
+              <a:t>,</a:t>
             </a:r>
           </a:p>
           <a:p>
@@ -11776,7 +11854,7 @@
               <a:buNone/>
             </a:pPr>
             <a:r>
-              <a:rPr lang="en-US" b="1" dirty="0">
+              <a:rPr lang="en-US" dirty="0">
                 <a:solidFill>
                   <a:srgbClr val="000000"/>
                 </a:solidFill>
@@ -11784,10 +11862,10 @@
                 <a:ea typeface="Menlo"/>
                 <a:cs typeface="Menlo"/>
               </a:rPr>
-              <a:t> </a:t>
-            </a:r>
-            <a:r>
-              <a:rPr lang="en-US" b="1" dirty="0" smtClean="0">
+              <a:t>      </a:t>
+            </a:r>
+            <a:r>
+              <a:rPr lang="en-US" dirty="0" err="1">
                 <a:solidFill>
                   <a:srgbClr val="000000"/>
                 </a:solidFill>
@@ -11795,21 +11873,10 @@
                 <a:ea typeface="Menlo"/>
                 <a:cs typeface="Menlo"/>
               </a:rPr>
-              <a:t>  </a:t>
-            </a:r>
-            <a:r>
-              <a:rPr lang="en-US" b="1" dirty="0" smtClean="0">
-                <a:solidFill>
-                  <a:srgbClr val="011893"/>
-                </a:solidFill>
-                <a:latin typeface="Menlo"/>
-                <a:ea typeface="Menlo"/>
-                <a:cs typeface="Menlo"/>
-              </a:rPr>
-              <a:t>implements </a:t>
-            </a:r>
-            <a:r>
-              <a:rPr lang="en-US" dirty="0" err="1" smtClean="0">
+              <a:t>OnClickListener</a:t>
+            </a:r>
+            <a:r>
+              <a:rPr lang="en-US" dirty="0">
                 <a:solidFill>
                   <a:srgbClr val="000000"/>
                 </a:solidFill>
@@ -11817,80 +11884,9 @@
                 <a:ea typeface="Menlo"/>
                 <a:cs typeface="Menlo"/>
               </a:rPr>
-              <a:t>OnEditorActionListener</a:t>
-            </a:r>
-            <a:r>
-              <a:rPr lang="en-US" dirty="0" smtClean="0">
-                <a:solidFill>
-                  <a:srgbClr val="000000"/>
-                </a:solidFill>
-                <a:latin typeface="Menlo"/>
-                <a:ea typeface="Menlo"/>
-                <a:cs typeface="Menlo"/>
-              </a:rPr>
-              <a:t>,</a:t>
-            </a:r>
-          </a:p>
-          <a:p>
-            <a:pPr marL="0" indent="0">
-              <a:buNone/>
-            </a:pPr>
-            <a:r>
-              <a:rPr lang="en-US" dirty="0">
-                <a:solidFill>
-                  <a:srgbClr val="000000"/>
-                </a:solidFill>
-                <a:latin typeface="Menlo"/>
-                <a:ea typeface="Menlo"/>
-                <a:cs typeface="Menlo"/>
-              </a:rPr>
-              <a:t> </a:t>
-            </a:r>
-            <a:r>
-              <a:rPr lang="en-US" dirty="0" smtClean="0">
-                <a:solidFill>
-                  <a:srgbClr val="000000"/>
-                </a:solidFill>
-                <a:latin typeface="Menlo"/>
-                <a:ea typeface="Menlo"/>
-                <a:cs typeface="Menlo"/>
-              </a:rPr>
-              <a:t>     </a:t>
-            </a:r>
-            <a:r>
-              <a:rPr lang="en-US" dirty="0" err="1" smtClean="0">
-                <a:solidFill>
-                  <a:srgbClr val="000000"/>
-                </a:solidFill>
-                <a:latin typeface="Menlo"/>
-                <a:ea typeface="Menlo"/>
-                <a:cs typeface="Menlo"/>
-              </a:rPr>
-              <a:t>OnClickListener</a:t>
-            </a:r>
-            <a:r>
-              <a:rPr lang="en-US" dirty="0" smtClean="0">
-                <a:solidFill>
-                  <a:srgbClr val="000000"/>
-                </a:solidFill>
-                <a:latin typeface="Menlo"/>
-                <a:ea typeface="Menlo"/>
-                <a:cs typeface="Menlo"/>
-              </a:rPr>
-              <a:t> </a:t>
-            </a:r>
-            <a:r>
-              <a:rPr lang="en-US" dirty="0">
-                <a:solidFill>
-                  <a:srgbClr val="000000"/>
-                </a:solidFill>
-                <a:latin typeface="Menlo"/>
-                <a:ea typeface="Menlo"/>
-                <a:cs typeface="Menlo"/>
-              </a:rPr>
-              <a:t>{</a:t>
-            </a:r>
-            <a:endParaRPr lang="en-US" dirty="0" smtClean="0"/>
+              <a:t> {</a:t>
+            </a:r>
+            <a:endParaRPr lang="en-US" dirty="0"/>
           </a:p>
         </p:txBody>
       </p:sp>
@@ -11904,13 +11900,6 @@
   <p:clrMapOvr>
     <a:masterClrMapping/>
   </p:clrMapOvr>
-  <p:timing>
-    <p:tnLst>
-      <p:par>
-        <p:cTn id="1" dur="indefinite" restart="never" nodeType="tmRoot"/>
-      </p:par>
-    </p:tnLst>
-  </p:timing>
 </p:sld>
 </file>
 
@@ -11970,10 +11959,9 @@
           <a:lstStyle/>
           <a:p>
             <a:r>
-              <a:rPr lang="en-US" dirty="0" smtClean="0"/>
+              <a:rPr lang="en-US" dirty="0"/>
               <a:t>An Empty Activity</a:t>
             </a:r>
-            <a:endParaRPr lang="en-US" dirty="0"/>
           </a:p>
         </p:txBody>
       </p:sp>
@@ -12038,7 +12026,7 @@
               <a:buNone/>
             </a:pPr>
             <a:r>
-              <a:rPr lang="en-US" b="1" dirty="0" smtClean="0">
+              <a:rPr lang="en-US" b="1" dirty="0">
                 <a:solidFill>
                   <a:srgbClr val="011893"/>
                 </a:solidFill>
@@ -12307,7 +12295,7 @@
               </a:rPr>
               <a:t>}</a:t>
             </a:r>
-            <a:endParaRPr lang="en-US" dirty="0" smtClean="0"/>
+            <a:endParaRPr lang="en-US" dirty="0"/>
           </a:p>
         </p:txBody>
       </p:sp>
@@ -12321,13 +12309,6 @@
   <p:clrMapOvr>
     <a:masterClrMapping/>
   </p:clrMapOvr>
-  <p:timing>
-    <p:tnLst>
-      <p:par>
-        <p:cTn id="1" dur="indefinite" restart="never" nodeType="tmRoot"/>
-      </p:par>
-    </p:tnLst>
-  </p:timing>
 </p:sld>
 </file>
 
@@ -12387,10 +12368,9 @@
           <a:lstStyle/>
           <a:p>
             <a:r>
-              <a:rPr lang="en-US" dirty="0" smtClean="0"/>
+              <a:rPr lang="en-US" dirty="0"/>
               <a:t>Activity Class</a:t>
             </a:r>
-            <a:endParaRPr lang="en-US" dirty="0"/>
           </a:p>
         </p:txBody>
       </p:sp>
@@ -12420,10 +12400,9 @@
               <a:buNone/>
             </a:pPr>
             <a:r>
-              <a:rPr lang="en-US" sz="2800" dirty="0" smtClean="0"/>
+              <a:rPr lang="en-US" sz="2800" dirty="0"/>
               <a:t>java.lang.Object</a:t>
             </a:r>
-            <a:endParaRPr lang="en-US" sz="2800" dirty="0"/>
           </a:p>
           <a:p>
             <a:pPr marL="0" indent="0">
@@ -12431,15 +12410,16 @@
             </a:pPr>
             <a:r>
               <a:rPr lang="en-US" sz="2800" dirty="0"/>
-              <a:t>  </a:t>
-            </a:r>
-            <a:r>
-              <a:rPr lang="en-US" sz="2800" dirty="0" smtClean="0"/>
-              <a:t>↳</a:t>
-            </a:r>
+              <a:t>  ↳	android.content.Context</a:t>
+            </a:r>
+          </a:p>
+          <a:p>
+            <a:pPr marL="0" indent="0">
+              <a:buNone/>
+            </a:pPr>
             <a:r>
               <a:rPr lang="en-US" sz="2800" dirty="0"/>
-              <a:t>	android.content.Context</a:t>
+              <a:t> 	 ↳	android.content.ContextWrapper</a:t>
             </a:r>
           </a:p>
           <a:p>
@@ -12448,80 +12428,31 @@
             </a:pPr>
             <a:r>
               <a:rPr lang="en-US" sz="2800" dirty="0"/>
-              <a:t> </a:t>
-            </a:r>
-            <a:r>
-              <a:rPr lang="en-US" sz="2800" dirty="0" smtClean="0"/>
-              <a:t>	 ↳</a:t>
-            </a:r>
+              <a:t> 	 	↳	android.view.ContextThemeWrapper</a:t>
+            </a:r>
+          </a:p>
+          <a:p>
+            <a:pPr marL="0" indent="0">
+              <a:buNone/>
+            </a:pPr>
             <a:r>
               <a:rPr lang="en-US" sz="2800" dirty="0"/>
-              <a:t>	android.content.ContextWrapper</a:t>
+              <a:t> 	 	   ↳	android.app.Activity</a:t>
             </a:r>
           </a:p>
           <a:p>
             <a:pPr marL="0" indent="0">
               <a:buNone/>
             </a:pPr>
+            <a:endParaRPr lang="en-US" sz="2400" dirty="0"/>
+          </a:p>
+          <a:p>
+            <a:pPr marL="0" indent="0">
+              <a:buNone/>
+            </a:pPr>
             <a:r>
               <a:rPr lang="en-US" sz="2800" dirty="0"/>
-              <a:t> 	 	</a:t>
-            </a:r>
-            <a:r>
-              <a:rPr lang="en-US" sz="2800" dirty="0" smtClean="0"/>
-              <a:t>↳</a:t>
-            </a:r>
-            <a:r>
-              <a:rPr lang="en-US" sz="2800" dirty="0"/>
-              <a:t>	android.view.ContextThemeWrapper</a:t>
-            </a:r>
-          </a:p>
-          <a:p>
-            <a:pPr marL="0" indent="0">
-              <a:buNone/>
-            </a:pPr>
-            <a:r>
-              <a:rPr lang="en-US" sz="2800" dirty="0"/>
-              <a:t> 	 	 </a:t>
-            </a:r>
-            <a:r>
-              <a:rPr lang="en-US" sz="2800" dirty="0" smtClean="0"/>
-              <a:t>  </a:t>
-            </a:r>
-            <a:r>
-              <a:rPr lang="en-US" sz="2800" dirty="0"/>
-              <a:t>↳	android.app.Activity</a:t>
-            </a:r>
-          </a:p>
-          <a:p>
-            <a:pPr marL="0" indent="0">
-              <a:buNone/>
-            </a:pPr>
-            <a:endParaRPr lang="en-US" sz="2400" dirty="0" smtClean="0"/>
-          </a:p>
-          <a:p>
-            <a:pPr marL="0" indent="0">
-              <a:buNone/>
-            </a:pPr>
-            <a:r>
-              <a:rPr lang="en-US" sz="2800" dirty="0" smtClean="0"/>
-              <a:t>The </a:t>
-            </a:r>
-            <a:r>
-              <a:rPr lang="en-US" sz="2800" dirty="0"/>
-              <a:t>Activity class takes care of creating a window </a:t>
-            </a:r>
-            <a:r>
-              <a:rPr lang="en-US" sz="2800" dirty="0" smtClean="0"/>
-              <a:t>in </a:t>
-            </a:r>
-            <a:r>
-              <a:rPr lang="en-US" sz="2800" dirty="0"/>
-              <a:t>which you can place your UI with setContentView(View</a:t>
-            </a:r>
-            <a:r>
-              <a:rPr lang="en-US" sz="2800" dirty="0" smtClean="0"/>
-              <a:t>).</a:t>
+              <a:t>The Activity class takes care of creating a window in which you can load your UI by calling setContentView(View).</a:t>
             </a:r>
           </a:p>
           <a:p>
@@ -12532,16 +12463,10 @@
               <a:rPr lang="en-US" sz="2400" dirty="0">
                 <a:hlinkClick r:id="rId3"/>
               </a:rPr>
-              <a:t>https://developer.android.com/reference/android/app/</a:t>
-            </a:r>
-            <a:r>
-              <a:rPr lang="en-US" sz="2400" dirty="0" smtClean="0">
-                <a:hlinkClick r:id="rId3"/>
-              </a:rPr>
-              <a:t>Activity.html</a:t>
-            </a:r>
-            <a:r>
-              <a:rPr lang="en-US" sz="2400" dirty="0" smtClean="0"/>
+              <a:t>https://developer.android.com/reference/android/app/Activity.html</a:t>
+            </a:r>
+            <a:r>
+              <a:rPr lang="en-US" sz="2400" dirty="0"/>
               <a:t> </a:t>
             </a:r>
           </a:p>
@@ -12557,13 +12482,6 @@
   <p:clrMapOvr>
     <a:masterClrMapping/>
   </p:clrMapOvr>
-  <p:timing>
-    <p:tnLst>
-      <p:par>
-        <p:cTn id="1" dur="indefinite" restart="never" nodeType="tmRoot"/>
-      </p:par>
-    </p:tnLst>
-  </p:timing>
 </p:sld>
 </file>
 
@@ -12623,10 +12541,9 @@
           <a:lstStyle/>
           <a:p>
             <a:r>
-              <a:rPr lang="en-US" dirty="0" smtClean="0"/>
+              <a:rPr lang="en-US" dirty="0"/>
               <a:t>AppCompatActivity Class</a:t>
             </a:r>
-            <a:endParaRPr lang="en-US" dirty="0"/>
           </a:p>
         </p:txBody>
       </p:sp>
@@ -12656,10 +12573,9 @@
               <a:buNone/>
             </a:pPr>
             <a:r>
-              <a:rPr lang="en-US" sz="2400" dirty="0" smtClean="0"/>
+              <a:rPr lang="en-US" sz="2400" dirty="0"/>
               <a:t>java.lang.Object</a:t>
             </a:r>
-            <a:endParaRPr lang="en-US" sz="2400" dirty="0"/>
           </a:p>
           <a:p>
             <a:pPr marL="0" indent="0">
@@ -12667,15 +12583,16 @@
             </a:pPr>
             <a:r>
               <a:rPr lang="en-US" sz="2400" dirty="0"/>
-              <a:t>  </a:t>
-            </a:r>
-            <a:r>
-              <a:rPr lang="en-US" sz="2400" dirty="0" smtClean="0"/>
-              <a:t>↳</a:t>
-            </a:r>
+              <a:t>  ↳	android.content.Context</a:t>
+            </a:r>
+          </a:p>
+          <a:p>
+            <a:pPr marL="0" indent="0">
+              <a:buNone/>
+            </a:pPr>
             <a:r>
               <a:rPr lang="en-US" sz="2400" dirty="0"/>
-              <a:t>	android.content.Context</a:t>
+              <a:t> 	 ↳	android.content.ContextWrapper</a:t>
             </a:r>
           </a:p>
           <a:p>
@@ -12684,15 +12601,16 @@
             </a:pPr>
             <a:r>
               <a:rPr lang="en-US" sz="2400" dirty="0"/>
-              <a:t> </a:t>
-            </a:r>
-            <a:r>
-              <a:rPr lang="en-US" sz="2400" dirty="0" smtClean="0"/>
-              <a:t>	 ↳</a:t>
-            </a:r>
+              <a:t> 	 	↳	android.view.ContextThemeWrapper</a:t>
+            </a:r>
+          </a:p>
+          <a:p>
+            <a:pPr marL="0" indent="0">
+              <a:buNone/>
+            </a:pPr>
             <a:r>
               <a:rPr lang="en-US" sz="2400" dirty="0"/>
-              <a:t>	android.content.ContextWrapper</a:t>
+              <a:t> 	 	   ↳	android.app.Activity</a:t>
             </a:r>
           </a:p>
           <a:p>
@@ -12701,100 +12619,46 @@
             </a:pPr>
             <a:r>
               <a:rPr lang="en-US" sz="2400" dirty="0"/>
-              <a:t> 	 	</a:t>
-            </a:r>
-            <a:r>
-              <a:rPr lang="en-US" sz="2400" dirty="0" smtClean="0"/>
-              <a:t>↳</a:t>
-            </a:r>
+              <a:t> 	 	 	   ↳	android.support.v4.app.FragmentActivity</a:t>
+            </a:r>
+          </a:p>
+          <a:p>
+            <a:pPr marL="0" indent="0">
+              <a:buNone/>
+            </a:pPr>
             <a:r>
               <a:rPr lang="en-US" sz="2400" dirty="0"/>
-              <a:t>	android.view.ContextThemeWrapper</a:t>
+              <a:t> 	 	 	 	   ↳	android.support.v7.app.AppCompatActivity</a:t>
             </a:r>
           </a:p>
           <a:p>
             <a:pPr marL="0" indent="0">
               <a:buNone/>
             </a:pPr>
-            <a:r>
-              <a:rPr lang="en-US" sz="2400" dirty="0"/>
-              <a:t> 	 	 </a:t>
-            </a:r>
-            <a:r>
-              <a:rPr lang="en-US" sz="2400" dirty="0" smtClean="0"/>
-              <a:t>  </a:t>
-            </a:r>
-            <a:r>
-              <a:rPr lang="en-US" sz="2400" dirty="0"/>
-              <a:t>↳	android.app.Activity</a:t>
-            </a:r>
+            <a:endParaRPr lang="en-US" sz="1800" dirty="0"/>
           </a:p>
           <a:p>
             <a:pPr marL="0" indent="0">
               <a:buNone/>
             </a:pPr>
             <a:r>
-              <a:rPr lang="en-US" sz="2400" dirty="0"/>
-              <a:t> 	 	 	</a:t>
-            </a:r>
-            <a:r>
-              <a:rPr lang="en-US" sz="2400" dirty="0" smtClean="0"/>
-              <a:t>   </a:t>
-            </a:r>
-            <a:r>
-              <a:rPr lang="en-US" sz="2400" dirty="0"/>
-              <a:t>↳	android.support.v4.app.FragmentActivity</a:t>
-            </a:r>
-          </a:p>
-          <a:p>
-            <a:pPr marL="0" indent="0">
-              <a:buNone/>
-            </a:pPr>
-            <a:r>
-              <a:rPr lang="en-US" sz="2400" dirty="0"/>
-              <a:t> 	 	 	 	   ↳	android.support.v7.</a:t>
-            </a:r>
-            <a:r>
-              <a:rPr lang="en-US" sz="2400" dirty="0" smtClean="0"/>
-              <a:t>app.AppCompatActivity</a:t>
-            </a:r>
-          </a:p>
-          <a:p>
-            <a:pPr marL="0" indent="0">
-              <a:buNone/>
-            </a:pPr>
-            <a:endParaRPr lang="en-US" sz="1800" dirty="0" smtClean="0"/>
-          </a:p>
-          <a:p>
-            <a:pPr marL="0" indent="0">
-              <a:buNone/>
-            </a:pPr>
-            <a:r>
-              <a:rPr lang="en-US" sz="2800" dirty="0" smtClean="0"/>
-              <a:t>Base </a:t>
-            </a:r>
-            <a:r>
               <a:rPr lang="en-US" sz="2800" dirty="0"/>
-              <a:t>class for activities that use the support library </a:t>
+              <a:t>Base class for activities that use the support library </a:t>
             </a:r>
             <a:r>
               <a:rPr lang="en-US" sz="2800" i="1" dirty="0"/>
-              <a:t>action </a:t>
-            </a:r>
-            <a:r>
-              <a:rPr lang="en-US" sz="2800" i="1" dirty="0" smtClean="0"/>
-              <a:t>bar </a:t>
-            </a:r>
-            <a:r>
-              <a:rPr lang="en-US" sz="2800" dirty="0" smtClean="0"/>
+              <a:t>action bar </a:t>
+            </a:r>
+            <a:r>
+              <a:rPr lang="en-US" sz="2800" dirty="0"/>
               <a:t>or</a:t>
             </a:r>
             <a:r>
-              <a:rPr lang="en-US" sz="2800" i="1" dirty="0" smtClean="0"/>
+              <a:rPr lang="en-US" sz="2800" i="1" dirty="0"/>
               <a:t> app bar</a:t>
             </a:r>
             <a:r>
-              <a:rPr lang="en-US" sz="2800" dirty="0" smtClean="0"/>
+              <a:rPr lang="en-US" sz="2800" dirty="0"/>
               <a:t> features in API 7 or higher. (The action bar was introduced in API 11)</a:t>
             </a:r>
           </a:p>
@@ -12810,14 +12674,6 @@
   <p:clrMapOvr>
     <a:masterClrMapping/>
   </p:clrMapOvr>
-  <mc:AlternateContent xmlns:mc="http://schemas.openxmlformats.org/markup-compatibility/2006">
-    <mc:Choice xmlns:p14="http://schemas.microsoft.com/office/powerpoint/2010/main" Requires="p14">
-      <p:transition spd="slow" p14:dur="2000"/>
-    </mc:Choice>
-    <mc:Fallback>
-      <p:transition spd="slow"/>
-    </mc:Fallback>
-  </mc:AlternateContent>
 </p:sld>
 </file>
 
@@ -12877,10 +12733,9 @@
           <a:lstStyle/>
           <a:p>
             <a:r>
-              <a:rPr lang="en-US" dirty="0" smtClean="0"/>
+              <a:rPr lang="en-US" dirty="0"/>
               <a:t>Action Bar</a:t>
             </a:r>
-            <a:endParaRPr lang="en-US" dirty="0"/>
           </a:p>
         </p:txBody>
       </p:sp>
@@ -12975,10 +12830,9 @@
           <a:lstStyle/>
           <a:p>
             <a:r>
-              <a:rPr lang="en-US" sz="2800" dirty="0" smtClean="0"/>
+              <a:rPr lang="en-US" sz="2800" dirty="0"/>
               <a:t>Action bar in the default calendar app</a:t>
             </a:r>
-            <a:endParaRPr lang="en-US" sz="2800" dirty="0"/>
           </a:p>
         </p:txBody>
       </p:sp>
@@ -12992,14 +12846,6 @@
   <p:clrMapOvr>
     <a:masterClrMapping/>
   </p:clrMapOvr>
-  <mc:AlternateContent xmlns:mc="http://schemas.openxmlformats.org/markup-compatibility/2006">
-    <mc:Choice xmlns:p14="http://schemas.microsoft.com/office/powerpoint/2010/main" Requires="p14">
-      <p:transition spd="slow" p14:dur="2000"/>
-    </mc:Choice>
-    <mc:Fallback>
-      <p:transition spd="slow"/>
-    </mc:Fallback>
-  </mc:AlternateContent>
 </p:sld>
 </file>
 
